--- a/STAGE ACADEMIQUE D’IMPRENIATION.pptx
+++ b/STAGE ACADEMIQUE D’IMPRENIATION.pptx
@@ -14396,6 +14396,246 @@
       </p:transition>
     </mc:Fallback>
   </mc:AlternateContent>
+  <p:timing>
+    <p:tnLst>
+      <p:par>
+        <p:cTn id="1" dur="indefinite" restart="never" nodeType="tmRoot">
+          <p:childTnLst>
+            <p:seq concurrent="1" nextAc="seek">
+              <p:cTn id="2" dur="indefinite" nodeType="mainSeq">
+                <p:childTnLst>
+                  <p:par>
+                    <p:cTn id="3" fill="hold">
+                      <p:stCondLst>
+                        <p:cond delay="indefinite"/>
+                      </p:stCondLst>
+                      <p:childTnLst>
+                        <p:par>
+                          <p:cTn id="4" fill="hold">
+                            <p:stCondLst>
+                              <p:cond delay="0"/>
+                            </p:stCondLst>
+                            <p:childTnLst>
+                              <p:par>
+                                <p:cTn id="5" presetID="22" presetClass="entr" presetSubtype="8" fill="hold" grpId="0" nodeType="clickEffect">
+                                  <p:stCondLst>
+                                    <p:cond delay="0"/>
+                                  </p:stCondLst>
+                                  <p:childTnLst>
+                                    <p:set>
+                                      <p:cBhvr>
+                                        <p:cTn id="6" dur="1" fill="hold">
+                                          <p:stCondLst>
+                                            <p:cond delay="0"/>
+                                          </p:stCondLst>
+                                        </p:cTn>
+                                        <p:tgtEl>
+                                          <p:spTgt spid="16"/>
+                                        </p:tgtEl>
+                                        <p:attrNameLst>
+                                          <p:attrName>style.visibility</p:attrName>
+                                        </p:attrNameLst>
+                                      </p:cBhvr>
+                                      <p:to>
+                                        <p:strVal val="visible"/>
+                                      </p:to>
+                                    </p:set>
+                                    <p:animEffect transition="in" filter="wipe(left)">
+                                      <p:cBhvr>
+                                        <p:cTn id="7" dur="500"/>
+                                        <p:tgtEl>
+                                          <p:spTgt spid="16"/>
+                                        </p:tgtEl>
+                                      </p:cBhvr>
+                                    </p:animEffect>
+                                  </p:childTnLst>
+                                </p:cTn>
+                              </p:par>
+                            </p:childTnLst>
+                          </p:cTn>
+                        </p:par>
+                      </p:childTnLst>
+                    </p:cTn>
+                  </p:par>
+                  <p:par>
+                    <p:cTn id="8" fill="hold">
+                      <p:stCondLst>
+                        <p:cond delay="indefinite"/>
+                      </p:stCondLst>
+                      <p:childTnLst>
+                        <p:par>
+                          <p:cTn id="9" fill="hold">
+                            <p:stCondLst>
+                              <p:cond delay="0"/>
+                            </p:stCondLst>
+                            <p:childTnLst>
+                              <p:par>
+                                <p:cTn id="10" presetID="53" presetClass="entr" presetSubtype="16" fill="hold" grpId="0" nodeType="clickEffect">
+                                  <p:stCondLst>
+                                    <p:cond delay="0"/>
+                                  </p:stCondLst>
+                                  <p:childTnLst>
+                                    <p:set>
+                                      <p:cBhvr>
+                                        <p:cTn id="11" dur="1" fill="hold">
+                                          <p:stCondLst>
+                                            <p:cond delay="0"/>
+                                          </p:stCondLst>
+                                        </p:cTn>
+                                        <p:tgtEl>
+                                          <p:spTgt spid="17"/>
+                                        </p:tgtEl>
+                                        <p:attrNameLst>
+                                          <p:attrName>style.visibility</p:attrName>
+                                        </p:attrNameLst>
+                                      </p:cBhvr>
+                                      <p:to>
+                                        <p:strVal val="visible"/>
+                                      </p:to>
+                                    </p:set>
+                                    <p:anim calcmode="lin" valueType="num">
+                                      <p:cBhvr>
+                                        <p:cTn id="12" dur="500" fill="hold"/>
+                                        <p:tgtEl>
+                                          <p:spTgt spid="17"/>
+                                        </p:tgtEl>
+                                        <p:attrNameLst>
+                                          <p:attrName>ppt_w</p:attrName>
+                                        </p:attrNameLst>
+                                      </p:cBhvr>
+                                      <p:tavLst>
+                                        <p:tav tm="0">
+                                          <p:val>
+                                            <p:fltVal val="0"/>
+                                          </p:val>
+                                        </p:tav>
+                                        <p:tav tm="100000">
+                                          <p:val>
+                                            <p:strVal val="#ppt_w"/>
+                                          </p:val>
+                                        </p:tav>
+                                      </p:tavLst>
+                                    </p:anim>
+                                    <p:anim calcmode="lin" valueType="num">
+                                      <p:cBhvr>
+                                        <p:cTn id="13" dur="500" fill="hold"/>
+                                        <p:tgtEl>
+                                          <p:spTgt spid="17"/>
+                                        </p:tgtEl>
+                                        <p:attrNameLst>
+                                          <p:attrName>ppt_h</p:attrName>
+                                        </p:attrNameLst>
+                                      </p:cBhvr>
+                                      <p:tavLst>
+                                        <p:tav tm="0">
+                                          <p:val>
+                                            <p:fltVal val="0"/>
+                                          </p:val>
+                                        </p:tav>
+                                        <p:tav tm="100000">
+                                          <p:val>
+                                            <p:strVal val="#ppt_h"/>
+                                          </p:val>
+                                        </p:tav>
+                                      </p:tavLst>
+                                    </p:anim>
+                                    <p:animEffect transition="in" filter="fade">
+                                      <p:cBhvr>
+                                        <p:cTn id="14" dur="500"/>
+                                        <p:tgtEl>
+                                          <p:spTgt spid="17"/>
+                                        </p:tgtEl>
+                                      </p:cBhvr>
+                                    </p:animEffect>
+                                  </p:childTnLst>
+                                </p:cTn>
+                              </p:par>
+                            </p:childTnLst>
+                          </p:cTn>
+                        </p:par>
+                      </p:childTnLst>
+                    </p:cTn>
+                  </p:par>
+                  <p:par>
+                    <p:cTn id="15" fill="hold">
+                      <p:stCondLst>
+                        <p:cond delay="indefinite"/>
+                      </p:stCondLst>
+                      <p:childTnLst>
+                        <p:par>
+                          <p:cTn id="16" fill="hold">
+                            <p:stCondLst>
+                              <p:cond delay="0"/>
+                            </p:stCondLst>
+                            <p:childTnLst>
+                              <p:par>
+                                <p:cTn id="17" presetID="21" presetClass="entr" presetSubtype="1" fill="hold" grpId="0" nodeType="clickEffect">
+                                  <p:stCondLst>
+                                    <p:cond delay="0"/>
+                                  </p:stCondLst>
+                                  <p:childTnLst>
+                                    <p:set>
+                                      <p:cBhvr>
+                                        <p:cTn id="18" dur="1" fill="hold">
+                                          <p:stCondLst>
+                                            <p:cond delay="0"/>
+                                          </p:stCondLst>
+                                        </p:cTn>
+                                        <p:tgtEl>
+                                          <p:spTgt spid="18"/>
+                                        </p:tgtEl>
+                                        <p:attrNameLst>
+                                          <p:attrName>style.visibility</p:attrName>
+                                        </p:attrNameLst>
+                                      </p:cBhvr>
+                                      <p:to>
+                                        <p:strVal val="visible"/>
+                                      </p:to>
+                                    </p:set>
+                                    <p:animEffect transition="in" filter="wheel(1)">
+                                      <p:cBhvr>
+                                        <p:cTn id="19" dur="2000"/>
+                                        <p:tgtEl>
+                                          <p:spTgt spid="18"/>
+                                        </p:tgtEl>
+                                      </p:cBhvr>
+                                    </p:animEffect>
+                                  </p:childTnLst>
+                                </p:cTn>
+                              </p:par>
+                            </p:childTnLst>
+                          </p:cTn>
+                        </p:par>
+                      </p:childTnLst>
+                    </p:cTn>
+                  </p:par>
+                </p:childTnLst>
+              </p:cTn>
+              <p:prevCondLst>
+                <p:cond evt="onPrev" delay="0">
+                  <p:tgtEl>
+                    <p:sldTgt/>
+                  </p:tgtEl>
+                </p:cond>
+              </p:prevCondLst>
+              <p:nextCondLst>
+                <p:cond evt="onNext" delay="0">
+                  <p:tgtEl>
+                    <p:sldTgt/>
+                  </p:tgtEl>
+                </p:cond>
+              </p:nextCondLst>
+            </p:seq>
+          </p:childTnLst>
+        </p:cTn>
+      </p:par>
+    </p:tnLst>
+    <p:bldLst>
+      <p:bldP spid="16" grpId="0"/>
+      <p:bldP spid="17" grpId="0"/>
+      <p:bldP spid="18" grpId="0"/>
+    </p:bldLst>
+  </p:timing>
 </p:sld>
 </file>
 
@@ -14878,107 +15118,10 @@
       </p:sp>
       <p:grpSp>
         <p:nvGrpSpPr>
-          <p:cNvPr id="19" name="Groupe 18">
+          <p:cNvPr id="12" name="Groupe 11">
             <a:extLst>
               <a:ext uri="{FF2B5EF4-FFF2-40B4-BE49-F238E27FC236}">
-                <a16:creationId xmlns:a16="http://schemas.microsoft.com/office/drawing/2014/main" id="{AAE2E5C3-B799-8582-E973-65C344461CC6}"/>
-              </a:ext>
-            </a:extLst>
-          </p:cNvPr>
-          <p:cNvGrpSpPr/>
-          <p:nvPr/>
-        </p:nvGrpSpPr>
-        <p:grpSpPr>
-          <a:xfrm>
-            <a:off x="5398884" y="840989"/>
-            <a:ext cx="2966518" cy="2613660"/>
-            <a:chOff x="5398884" y="840989"/>
-            <a:chExt cx="2966518" cy="2613660"/>
-          </a:xfrm>
-        </p:grpSpPr>
-        <p:pic>
-          <p:nvPicPr>
-            <p:cNvPr id="18" name="Picture 126">
-              <a:extLst>
-                <a:ext uri="{FF2B5EF4-FFF2-40B4-BE49-F238E27FC236}">
-                  <a16:creationId xmlns:a16="http://schemas.microsoft.com/office/drawing/2014/main" id="{AE72D3AC-C6CA-C7AA-254F-4A4FBF932B45}"/>
-                </a:ext>
-              </a:extLst>
-            </p:cNvPr>
-            <p:cNvPicPr/>
-            <p:nvPr/>
-          </p:nvPicPr>
-          <p:blipFill>
-            <a:blip r:embed="rId3"/>
-            <a:stretch>
-              <a:fillRect/>
-            </a:stretch>
-          </p:blipFill>
-          <p:spPr>
-            <a:xfrm>
-              <a:off x="5398884" y="840989"/>
-              <a:ext cx="2966518" cy="2613660"/>
-            </a:xfrm>
-            <a:prstGeom prst="rect">
-              <a:avLst/>
-            </a:prstGeom>
-          </p:spPr>
-        </p:pic>
-        <p:sp>
-          <p:nvSpPr>
-            <p:cNvPr id="10" name="ZoneTexte 9">
-              <a:extLst>
-                <a:ext uri="{FF2B5EF4-FFF2-40B4-BE49-F238E27FC236}">
-                  <a16:creationId xmlns:a16="http://schemas.microsoft.com/office/drawing/2014/main" id="{40BA46D7-0CA1-1C60-5877-8E90FD0E4AFF}"/>
-                </a:ext>
-              </a:extLst>
-            </p:cNvPr>
-            <p:cNvSpPr txBox="1"/>
-            <p:nvPr/>
-          </p:nvSpPr>
-          <p:spPr>
-            <a:xfrm rot="160709">
-              <a:off x="5677069" y="1582952"/>
-              <a:ext cx="1522058" cy="492443"/>
-            </a:xfrm>
-            <a:prstGeom prst="rect">
-              <a:avLst/>
-            </a:prstGeom>
-            <a:noFill/>
-          </p:spPr>
-          <p:txBody>
-            <a:bodyPr wrap="square" rtlCol="0">
-              <a:spAutoFit/>
-            </a:bodyPr>
-            <a:lstStyle/>
-            <a:p>
-              <a:r>
-                <a:rPr lang="en-US" sz="2600" dirty="0">
-                  <a:solidFill>
-                    <a:schemeClr val="accent1"/>
-                  </a:solidFill>
-                  <a:latin typeface="+mj-lt"/>
-                  <a:cs typeface="Times New Roman" panose="02020603050405020304" pitchFamily="18" charset="0"/>
-                </a:rPr>
-                <a:t>CONTEXTE</a:t>
-              </a:r>
-              <a:endParaRPr lang="fr-FR" sz="2600" dirty="0">
-                <a:solidFill>
-                  <a:schemeClr val="accent1"/>
-                </a:solidFill>
-                <a:latin typeface="+mj-lt"/>
-                <a:cs typeface="Times New Roman" panose="02020603050405020304" pitchFamily="18" charset="0"/>
-              </a:endParaRPr>
-            </a:p>
-          </p:txBody>
-        </p:sp>
-      </p:grpSp>
-      <p:grpSp>
-        <p:nvGrpSpPr>
-          <p:cNvPr id="20" name="Groupe 19">
-            <a:extLst>
-              <a:ext uri="{FF2B5EF4-FFF2-40B4-BE49-F238E27FC236}">
-                <a16:creationId xmlns:a16="http://schemas.microsoft.com/office/drawing/2014/main" id="{B6F96123-E5C6-94AB-AFC9-06BF1DE8C016}"/>
+                <a16:creationId xmlns:a16="http://schemas.microsoft.com/office/drawing/2014/main" id="{AD0AC751-94BC-01B2-A39C-6EA4EDAFC7B3}"/>
               </a:ext>
             </a:extLst>
           </p:cNvPr>
@@ -15008,7 +15151,7 @@
             <p:nvPr/>
           </p:nvPicPr>
           <p:blipFill>
-            <a:blip r:embed="rId4">
+            <a:blip r:embed="rId3">
               <a:extLst>
                 <a:ext uri="{28A0092B-C50C-407E-A947-70E740481C1C}">
                   <a14:useLocalDpi xmlns:a14="http://schemas.microsoft.com/office/drawing/2010/main" val="0"/>
@@ -15089,6 +15232,104 @@
           </p:txBody>
         </p:sp>
       </p:grpSp>
+      <p:grpSp>
+        <p:nvGrpSpPr>
+          <p:cNvPr id="9" name="Groupe 8">
+            <a:extLst>
+              <a:ext uri="{FF2B5EF4-FFF2-40B4-BE49-F238E27FC236}">
+                <a16:creationId xmlns:a16="http://schemas.microsoft.com/office/drawing/2014/main" id="{B73A02F7-3CFC-41D5-5D30-50F142670FEE}"/>
+              </a:ext>
+            </a:extLst>
+          </p:cNvPr>
+          <p:cNvGrpSpPr/>
+          <p:nvPr/>
+        </p:nvGrpSpPr>
+        <p:grpSpPr>
+          <a:xfrm>
+            <a:off x="5701635" y="884064"/>
+            <a:ext cx="2638793" cy="2638793"/>
+            <a:chOff x="5701635" y="884064"/>
+            <a:chExt cx="2638793" cy="2638793"/>
+          </a:xfrm>
+        </p:grpSpPr>
+        <p:pic>
+          <p:nvPicPr>
+            <p:cNvPr id="7" name="Image 6">
+              <a:extLst>
+                <a:ext uri="{FF2B5EF4-FFF2-40B4-BE49-F238E27FC236}">
+                  <a16:creationId xmlns:a16="http://schemas.microsoft.com/office/drawing/2014/main" id="{69D08E4F-383A-7223-A5A5-22BC3311D210}"/>
+                </a:ext>
+              </a:extLst>
+            </p:cNvPr>
+            <p:cNvPicPr>
+              <a:picLocks noChangeAspect="1"/>
+            </p:cNvPicPr>
+            <p:nvPr/>
+          </p:nvPicPr>
+          <p:blipFill>
+            <a:blip r:embed="rId4">
+              <a:extLst>
+                <a:ext uri="{28A0092B-C50C-407E-A947-70E740481C1C}">
+                  <a14:useLocalDpi xmlns:a14="http://schemas.microsoft.com/office/drawing/2010/main" val="0"/>
+                </a:ext>
+              </a:extLst>
+            </a:blip>
+            <a:stretch>
+              <a:fillRect/>
+            </a:stretch>
+          </p:blipFill>
+          <p:spPr>
+            <a:xfrm>
+              <a:off x="5701635" y="884064"/>
+              <a:ext cx="2638793" cy="2638793"/>
+            </a:xfrm>
+            <a:prstGeom prst="rect">
+              <a:avLst/>
+            </a:prstGeom>
+          </p:spPr>
+        </p:pic>
+        <p:sp>
+          <p:nvSpPr>
+            <p:cNvPr id="8" name="ZoneTexte 7">
+              <a:extLst>
+                <a:ext uri="{FF2B5EF4-FFF2-40B4-BE49-F238E27FC236}">
+                  <a16:creationId xmlns:a16="http://schemas.microsoft.com/office/drawing/2014/main" id="{28807826-357A-4A92-075F-70DF76A575F3}"/>
+                </a:ext>
+              </a:extLst>
+            </p:cNvPr>
+            <p:cNvSpPr txBox="1"/>
+            <p:nvPr/>
+          </p:nvSpPr>
+          <p:spPr>
+            <a:xfrm>
+              <a:off x="6060558" y="1598746"/>
+              <a:ext cx="1130559" cy="492443"/>
+            </a:xfrm>
+            <a:prstGeom prst="rect">
+              <a:avLst/>
+            </a:prstGeom>
+            <a:noFill/>
+          </p:spPr>
+          <p:txBody>
+            <a:bodyPr wrap="square" rtlCol="0">
+              <a:spAutoFit/>
+            </a:bodyPr>
+            <a:lstStyle/>
+            <a:p>
+              <a:r>
+                <a:rPr lang="fr-FR" sz="2600" dirty="0">
+                  <a:solidFill>
+                    <a:schemeClr val="accent1"/>
+                  </a:solidFill>
+                  <a:latin typeface="+mj-lt"/>
+                  <a:cs typeface="Times New Roman" panose="02020603050405020304" pitchFamily="18" charset="0"/>
+                </a:rPr>
+                <a:t>contexte</a:t>
+              </a:r>
+            </a:p>
+          </p:txBody>
+        </p:sp>
+      </p:grpSp>
       <p:sp>
         <p:nvSpPr>
           <p:cNvPr id="15" name="Flèche : angle droit à deux pointes 14">
@@ -15191,7 +15432,7 @@
                                           </p:stCondLst>
                                         </p:cTn>
                                         <p:tgtEl>
-                                          <p:spTgt spid="19"/>
+                                          <p:spTgt spid="9"/>
                                         </p:tgtEl>
                                         <p:attrNameLst>
                                           <p:attrName>style.visibility</p:attrName>
@@ -15205,7 +15446,7 @@
                                       <p:cBhvr>
                                         <p:cTn id="7" dur="500"/>
                                         <p:tgtEl>
-                                          <p:spTgt spid="19"/>
+                                          <p:spTgt spid="9"/>
                                         </p:tgtEl>
                                       </p:cBhvr>
                                     </p:animEffect>
@@ -15231,7 +15472,7 @@
                             </p:stCondLst>
                             <p:childTnLst>
                               <p:par>
-                                <p:cTn id="10" presetID="22" presetClass="entr" presetSubtype="4" fill="hold" nodeType="clickEffect">
+                                <p:cTn id="10" presetID="6" presetClass="entr" presetSubtype="16" fill="hold" nodeType="clickEffect">
                                   <p:stCondLst>
                                     <p:cond delay="0"/>
                                   </p:stCondLst>
@@ -15244,7 +15485,7 @@
                                           </p:stCondLst>
                                         </p:cTn>
                                         <p:tgtEl>
-                                          <p:spTgt spid="20"/>
+                                          <p:spTgt spid="12"/>
                                         </p:tgtEl>
                                         <p:attrNameLst>
                                           <p:attrName>style.visibility</p:attrName>
@@ -15254,11 +15495,11 @@
                                         <p:strVal val="visible"/>
                                       </p:to>
                                     </p:set>
-                                    <p:animEffect transition="in" filter="wipe(down)">
+                                    <p:animEffect transition="in" filter="circle(in)">
                                       <p:cBhvr>
-                                        <p:cTn id="12" dur="500"/>
+                                        <p:cTn id="12" dur="2000"/>
                                         <p:tgtEl>
-                                          <p:spTgt spid="20"/>
+                                          <p:spTgt spid="12"/>
                                         </p:tgtEl>
                                       </p:cBhvr>
                                     </p:animEffect>

--- a/STAGE ACADEMIQUE D’IMPRENIATION.pptx
+++ b/STAGE ACADEMIQUE D’IMPRENIATION.pptx
@@ -4951,6 +4951,383 @@
 </p:notes>
 </file>
 
+<file path=ppt/notesSlides/notesSlide3.xml><?xml version="1.0" encoding="utf-8"?>
+<p:notes xmlns:a="http://schemas.openxmlformats.org/drawingml/2006/main" xmlns:r="http://schemas.openxmlformats.org/officeDocument/2006/relationships" xmlns:p="http://schemas.openxmlformats.org/presentationml/2006/main">
+  <p:cSld>
+    <p:spTree>
+      <p:nvGrpSpPr>
+        <p:cNvPr id="1" name=""/>
+        <p:cNvGrpSpPr/>
+        <p:nvPr/>
+      </p:nvGrpSpPr>
+      <p:grpSpPr>
+        <a:xfrm>
+          <a:off x="0" y="0"/>
+          <a:ext cx="0" cy="0"/>
+          <a:chOff x="0" y="0"/>
+          <a:chExt cx="0" cy="0"/>
+        </a:xfrm>
+      </p:grpSpPr>
+      <p:sp>
+        <p:nvSpPr>
+          <p:cNvPr id="2" name="Espace réservé de l'image des diapositives 1"/>
+          <p:cNvSpPr>
+            <a:spLocks noGrp="1" noRot="1" noChangeAspect="1"/>
+          </p:cNvSpPr>
+          <p:nvPr>
+            <p:ph type="sldImg"/>
+          </p:nvPr>
+        </p:nvSpPr>
+        <p:spPr/>
+      </p:sp>
+      <p:sp>
+        <p:nvSpPr>
+          <p:cNvPr id="3" name="Espace réservé des notes 2"/>
+          <p:cNvSpPr>
+            <a:spLocks noGrp="1"/>
+          </p:cNvSpPr>
+          <p:nvPr>
+            <p:ph type="body" idx="1"/>
+          </p:nvPr>
+        </p:nvSpPr>
+        <p:spPr/>
+        <p:txBody>
+          <a:bodyPr/>
+          <a:lstStyle/>
+          <a:p>
+            <a:endParaRPr lang="fr-FR" dirty="0"/>
+          </a:p>
+        </p:txBody>
+      </p:sp>
+      <p:sp>
+        <p:nvSpPr>
+          <p:cNvPr id="4" name="Espace réservé du numéro de diapositive 3"/>
+          <p:cNvSpPr>
+            <a:spLocks noGrp="1"/>
+          </p:cNvSpPr>
+          <p:nvPr>
+            <p:ph type="sldNum" sz="quarter" idx="5"/>
+          </p:nvPr>
+        </p:nvSpPr>
+        <p:spPr/>
+        <p:txBody>
+          <a:bodyPr/>
+          <a:lstStyle/>
+          <a:p>
+            <a:fld id="{A377E331-F07E-4DA5-8B83-849DDAEBF7D5}" type="slidenum">
+              <a:rPr lang="fr-FR" smtClean="0"/>
+              <a:t>13</a:t>
+            </a:fld>
+            <a:endParaRPr lang="fr-FR"/>
+          </a:p>
+        </p:txBody>
+      </p:sp>
+    </p:spTree>
+    <p:extLst>
+      <p:ext uri="{BB962C8B-B14F-4D97-AF65-F5344CB8AC3E}">
+        <p14:creationId xmlns:p14="http://schemas.microsoft.com/office/powerpoint/2010/main" val="4065636094"/>
+      </p:ext>
+    </p:extLst>
+  </p:cSld>
+  <p:clrMapOvr>
+    <a:masterClrMapping/>
+  </p:clrMapOvr>
+</p:notes>
+</file>
+
+<file path=ppt/notesSlides/notesSlide4.xml><?xml version="1.0" encoding="utf-8"?>
+<p:notes xmlns:a="http://schemas.openxmlformats.org/drawingml/2006/main" xmlns:r="http://schemas.openxmlformats.org/officeDocument/2006/relationships" xmlns:p="http://schemas.openxmlformats.org/presentationml/2006/main">
+  <p:cSld>
+    <p:spTree>
+      <p:nvGrpSpPr>
+        <p:cNvPr id="1" name=""/>
+        <p:cNvGrpSpPr/>
+        <p:nvPr/>
+      </p:nvGrpSpPr>
+      <p:grpSpPr>
+        <a:xfrm>
+          <a:off x="0" y="0"/>
+          <a:ext cx="0" cy="0"/>
+          <a:chOff x="0" y="0"/>
+          <a:chExt cx="0" cy="0"/>
+        </a:xfrm>
+      </p:grpSpPr>
+      <p:sp>
+        <p:nvSpPr>
+          <p:cNvPr id="2" name="Espace réservé de l'image des diapositives 1"/>
+          <p:cNvSpPr>
+            <a:spLocks noGrp="1" noRot="1" noChangeAspect="1"/>
+          </p:cNvSpPr>
+          <p:nvPr>
+            <p:ph type="sldImg"/>
+          </p:nvPr>
+        </p:nvSpPr>
+        <p:spPr/>
+      </p:sp>
+      <p:sp>
+        <p:nvSpPr>
+          <p:cNvPr id="3" name="Espace réservé des notes 2"/>
+          <p:cNvSpPr>
+            <a:spLocks noGrp="1"/>
+          </p:cNvSpPr>
+          <p:nvPr>
+            <p:ph type="body" idx="1"/>
+          </p:nvPr>
+        </p:nvSpPr>
+        <p:spPr/>
+        <p:txBody>
+          <a:bodyPr/>
+          <a:lstStyle/>
+          <a:p>
+            <a:r>
+              <a:rPr lang="fr-FR" dirty="0"/>
+              <a:t>Active </a:t>
+            </a:r>
+            <a:r>
+              <a:rPr lang="fr-FR" dirty="0" err="1"/>
+              <a:t>qyery</a:t>
+            </a:r>
+            <a:endParaRPr lang="fr-FR" dirty="0"/>
+          </a:p>
+          <a:p>
+            <a:endParaRPr lang="fr-FR" dirty="0"/>
+          </a:p>
+          <a:p>
+            <a:r>
+              <a:rPr lang="fr-FR" b="0" i="0" dirty="0">
+                <a:solidFill>
+                  <a:srgbClr val="050E17"/>
+                </a:solidFill>
+                <a:effectLst/>
+                <a:latin typeface="-apple-system"/>
+              </a:rPr>
+              <a:t>L'ORM (Object-</a:t>
+            </a:r>
+            <a:r>
+              <a:rPr lang="fr-FR" b="0" i="0" dirty="0" err="1">
+                <a:solidFill>
+                  <a:srgbClr val="050E17"/>
+                </a:solidFill>
+                <a:effectLst/>
+                <a:latin typeface="-apple-system"/>
+              </a:rPr>
+              <a:t>Relational</a:t>
+            </a:r>
+            <a:r>
+              <a:rPr lang="fr-FR" b="0" i="0" dirty="0">
+                <a:solidFill>
+                  <a:srgbClr val="050E17"/>
+                </a:solidFill>
+                <a:effectLst/>
+                <a:latin typeface="-apple-system"/>
+              </a:rPr>
+              <a:t> Mapping)</a:t>
+            </a:r>
+          </a:p>
+          <a:p>
+            <a:r>
+              <a:rPr lang="fr-FR" b="0" i="0" dirty="0">
+                <a:solidFill>
+                  <a:srgbClr val="050E17"/>
+                </a:solidFill>
+                <a:effectLst/>
+                <a:latin typeface="-apple-system"/>
+              </a:rPr>
+              <a:t>couche d'abstraction de base de données qui permet aux développeurs d'interagir avec une base de données relationnelle à l'aide d'objets et de méthodes plutôt </a:t>
+            </a:r>
+          </a:p>
+          <a:p>
+            <a:r>
+              <a:rPr lang="fr-FR" b="0" i="0" dirty="0">
+                <a:solidFill>
+                  <a:srgbClr val="050E17"/>
+                </a:solidFill>
+                <a:effectLst/>
+                <a:latin typeface="-apple-system"/>
+              </a:rPr>
+              <a:t>Avec Eloquent, les développeurs peuvent définir des modèles pour représenter des tables de la base de données. Les modèles peuvent être utilisés pour effectuer des opérations CRUD (</a:t>
+            </a:r>
+            <a:r>
+              <a:rPr lang="fr-FR" b="0" i="0" dirty="0" err="1">
+                <a:solidFill>
+                  <a:srgbClr val="050E17"/>
+                </a:solidFill>
+                <a:effectLst/>
+                <a:latin typeface="-apple-system"/>
+              </a:rPr>
+              <a:t>Create</a:t>
+            </a:r>
+            <a:r>
+              <a:rPr lang="fr-FR" b="0" i="0" dirty="0">
+                <a:solidFill>
+                  <a:srgbClr val="050E17"/>
+                </a:solidFill>
+                <a:effectLst/>
+                <a:latin typeface="-apple-system"/>
+              </a:rPr>
+              <a:t>, Read, Update, </a:t>
+            </a:r>
+            <a:r>
+              <a:rPr lang="fr-FR" b="0" i="0" dirty="0" err="1">
+                <a:solidFill>
+                  <a:srgbClr val="050E17"/>
+                </a:solidFill>
+                <a:effectLst/>
+                <a:latin typeface="-apple-system"/>
+              </a:rPr>
+              <a:t>Delete</a:t>
+            </a:r>
+            <a:r>
+              <a:rPr lang="fr-FR" b="0" i="0" dirty="0">
+                <a:solidFill>
+                  <a:srgbClr val="050E17"/>
+                </a:solidFill>
+                <a:effectLst/>
+                <a:latin typeface="-apple-system"/>
+              </a:rPr>
+              <a:t>) sur les données de la base de données. Les développeurs peuvent également définir des relations entre les modèles, telles que les relations "un à un", "un à plusieurs" et "plusieurs à plusieurs".</a:t>
+            </a:r>
+            <a:endParaRPr lang="fr-FR" dirty="0"/>
+          </a:p>
+        </p:txBody>
+      </p:sp>
+      <p:sp>
+        <p:nvSpPr>
+          <p:cNvPr id="4" name="Espace réservé du numéro de diapositive 3"/>
+          <p:cNvSpPr>
+            <a:spLocks noGrp="1"/>
+          </p:cNvSpPr>
+          <p:nvPr>
+            <p:ph type="sldNum" sz="quarter" idx="5"/>
+          </p:nvPr>
+        </p:nvSpPr>
+        <p:spPr/>
+        <p:txBody>
+          <a:bodyPr/>
+          <a:lstStyle/>
+          <a:p>
+            <a:fld id="{A377E331-F07E-4DA5-8B83-849DDAEBF7D5}" type="slidenum">
+              <a:rPr lang="fr-FR" smtClean="0"/>
+              <a:t>17</a:t>
+            </a:fld>
+            <a:endParaRPr lang="fr-FR"/>
+          </a:p>
+        </p:txBody>
+      </p:sp>
+    </p:spTree>
+    <p:extLst>
+      <p:ext uri="{BB962C8B-B14F-4D97-AF65-F5344CB8AC3E}">
+        <p14:creationId xmlns:p14="http://schemas.microsoft.com/office/powerpoint/2010/main" val="1126786127"/>
+      </p:ext>
+    </p:extLst>
+  </p:cSld>
+  <p:clrMapOvr>
+    <a:masterClrMapping/>
+  </p:clrMapOvr>
+</p:notes>
+</file>
+
+<file path=ppt/notesSlides/notesSlide5.xml><?xml version="1.0" encoding="utf-8"?>
+<p:notes xmlns:a="http://schemas.openxmlformats.org/drawingml/2006/main" xmlns:r="http://schemas.openxmlformats.org/officeDocument/2006/relationships" xmlns:p="http://schemas.openxmlformats.org/presentationml/2006/main">
+  <p:cSld>
+    <p:spTree>
+      <p:nvGrpSpPr>
+        <p:cNvPr id="1" name=""/>
+        <p:cNvGrpSpPr/>
+        <p:nvPr/>
+      </p:nvGrpSpPr>
+      <p:grpSpPr>
+        <a:xfrm>
+          <a:off x="0" y="0"/>
+          <a:ext cx="0" cy="0"/>
+          <a:chOff x="0" y="0"/>
+          <a:chExt cx="0" cy="0"/>
+        </a:xfrm>
+      </p:grpSpPr>
+      <p:sp>
+        <p:nvSpPr>
+          <p:cNvPr id="2" name="Espace réservé de l'image des diapositives 1"/>
+          <p:cNvSpPr>
+            <a:spLocks noGrp="1" noRot="1" noChangeAspect="1"/>
+          </p:cNvSpPr>
+          <p:nvPr>
+            <p:ph type="sldImg"/>
+          </p:nvPr>
+        </p:nvSpPr>
+        <p:spPr/>
+      </p:sp>
+      <p:sp>
+        <p:nvSpPr>
+          <p:cNvPr id="3" name="Espace réservé des notes 2"/>
+          <p:cNvSpPr>
+            <a:spLocks noGrp="1"/>
+          </p:cNvSpPr>
+          <p:nvPr>
+            <p:ph type="body" idx="1"/>
+          </p:nvPr>
+        </p:nvSpPr>
+        <p:spPr/>
+        <p:txBody>
+          <a:bodyPr/>
+          <a:lstStyle/>
+          <a:p>
+            <a:r>
+              <a:rPr lang="fr-FR" dirty="0" err="1"/>
+              <a:t>Repositery</a:t>
+            </a:r>
+            <a:endParaRPr lang="fr-FR" dirty="0"/>
+          </a:p>
+          <a:p>
+            <a:endParaRPr lang="fr-FR" dirty="0"/>
+          </a:p>
+          <a:p>
+            <a:r>
+              <a:rPr lang="fr-FR" dirty="0" err="1"/>
+              <a:t>Observeur</a:t>
+            </a:r>
+            <a:endParaRPr lang="fr-FR" dirty="0"/>
+          </a:p>
+          <a:p>
+            <a:endParaRPr lang="fr-FR" dirty="0"/>
+          </a:p>
+        </p:txBody>
+      </p:sp>
+      <p:sp>
+        <p:nvSpPr>
+          <p:cNvPr id="4" name="Espace réservé du numéro de diapositive 3"/>
+          <p:cNvSpPr>
+            <a:spLocks noGrp="1"/>
+          </p:cNvSpPr>
+          <p:nvPr>
+            <p:ph type="sldNum" sz="quarter" idx="5"/>
+          </p:nvPr>
+        </p:nvSpPr>
+        <p:spPr/>
+        <p:txBody>
+          <a:bodyPr/>
+          <a:lstStyle/>
+          <a:p>
+            <a:fld id="{A377E331-F07E-4DA5-8B83-849DDAEBF7D5}" type="slidenum">
+              <a:rPr lang="fr-FR" smtClean="0"/>
+              <a:t>19</a:t>
+            </a:fld>
+            <a:endParaRPr lang="fr-FR"/>
+          </a:p>
+        </p:txBody>
+      </p:sp>
+    </p:spTree>
+    <p:extLst>
+      <p:ext uri="{BB962C8B-B14F-4D97-AF65-F5344CB8AC3E}">
+        <p14:creationId xmlns:p14="http://schemas.microsoft.com/office/powerpoint/2010/main" val="3384424829"/>
+      </p:ext>
+    </p:extLst>
+  </p:cSld>
+  <p:clrMapOvr>
+    <a:masterClrMapping/>
+  </p:clrMapOvr>
+</p:notes>
+</file>
+
 <file path=ppt/slideLayouts/slideLayout1.xml><?xml version="1.0" encoding="utf-8"?>
 <p:sldLayout xmlns:a="http://schemas.openxmlformats.org/drawingml/2006/main" xmlns:r="http://schemas.openxmlformats.org/officeDocument/2006/relationships" xmlns:p="http://schemas.openxmlformats.org/presentationml/2006/main" showMasterSp="0" type="title" preserve="1">
   <p:cSld name="Diapositive de titre">
@@ -8949,8 +9326,8 @@
         </p:nvSpPr>
         <p:spPr>
           <a:xfrm>
-            <a:off x="956932" y="3001061"/>
-            <a:ext cx="10016662" cy="1266088"/>
+            <a:off x="956931" y="2826121"/>
+            <a:ext cx="10016662" cy="1456639"/>
           </a:xfrm>
         </p:spPr>
         <p:txBody>
@@ -8969,7 +9346,21 @@
                 <a:ea typeface="Calibri" panose="020F0502020204030204" pitchFamily="34" charset="0"/>
                 <a:cs typeface="Times New Roman" panose="02020603050405020304" pitchFamily="18" charset="0"/>
               </a:rPr>
-              <a:t>CONCEPTION ET MISE EN ŒUVRE D’UNE PLATEFORME DE E-COMMERCE</a:t>
+              <a:t>CONCEPTION ET MISE EN ŒUVRE D’UNE PLATEFORME DE </a:t>
+            </a:r>
+          </a:p>
+          <a:p>
+            <a:r>
+              <a:rPr lang="fr-FR" sz="16000" dirty="0">
+                <a:solidFill>
+                  <a:srgbClr val="C00000"/>
+                </a:solidFill>
+                <a:effectLst/>
+                <a:latin typeface="Arial Black" panose="020B0A04020102020204" pitchFamily="34" charset="0"/>
+                <a:ea typeface="Calibri" panose="020F0502020204030204" pitchFamily="34" charset="0"/>
+                <a:cs typeface="Times New Roman" panose="02020603050405020304" pitchFamily="18" charset="0"/>
+              </a:rPr>
+              <a:t>E-COMMERCE</a:t>
             </a:r>
           </a:p>
           <a:p>
@@ -9838,31 +10229,6 @@
       </p:sp>
       <p:sp>
         <p:nvSpPr>
-          <p:cNvPr id="4" name="Espace réservé du pied de page 3">
-            <a:extLst>
-              <a:ext uri="{FF2B5EF4-FFF2-40B4-BE49-F238E27FC236}">
-                <a16:creationId xmlns:a16="http://schemas.microsoft.com/office/drawing/2014/main" id="{8A818CB6-58C2-EEF2-18A6-6B918C078A89}"/>
-              </a:ext>
-            </a:extLst>
-          </p:cNvPr>
-          <p:cNvSpPr>
-            <a:spLocks noGrp="1"/>
-          </p:cNvSpPr>
-          <p:nvPr>
-            <p:ph type="ftr" sz="quarter" idx="11"/>
-          </p:nvPr>
-        </p:nvSpPr>
-        <p:spPr/>
-        <p:txBody>
-          <a:bodyPr/>
-          <a:lstStyle/>
-          <a:p>
-            <a:endParaRPr lang="fr-FR"/>
-          </a:p>
-        </p:txBody>
-      </p:sp>
-      <p:sp>
-        <p:nvSpPr>
           <p:cNvPr id="5" name="Espace réservé du numéro de diapositive 4">
             <a:extLst>
               <a:ext uri="{FF2B5EF4-FFF2-40B4-BE49-F238E27FC236}">
@@ -9907,10 +10273,10 @@
       </p:sp>
       <p:pic>
         <p:nvPicPr>
-          <p:cNvPr id="9" name="Image 8">
+          <p:cNvPr id="6" name="Image 5">
             <a:extLst>
               <a:ext uri="{FF2B5EF4-FFF2-40B4-BE49-F238E27FC236}">
-                <a16:creationId xmlns:a16="http://schemas.microsoft.com/office/drawing/2014/main" id="{31FC19BF-DA15-D215-644B-04E43CFE6EF5}"/>
+                <a16:creationId xmlns:a16="http://schemas.microsoft.com/office/drawing/2014/main" id="{164FE71D-5632-EDF8-7618-D3A610075408}"/>
               </a:ext>
             </a:extLst>
           </p:cNvPr>
@@ -9920,30 +10286,25 @@
           <p:nvPr/>
         </p:nvPicPr>
         <p:blipFill>
-          <a:blip r:embed="rId2" cstate="print">
+          <a:blip r:embed="rId3">
             <a:extLst>
               <a:ext uri="{28A0092B-C50C-407E-A947-70E740481C1C}">
                 <a14:useLocalDpi xmlns:a14="http://schemas.microsoft.com/office/drawing/2010/main" val="0"/>
               </a:ext>
             </a:extLst>
           </a:blip>
-          <a:srcRect/>
           <a:stretch>
             <a:fillRect/>
           </a:stretch>
         </p:blipFill>
-        <p:spPr bwMode="auto">
+        <p:spPr>
           <a:xfrm>
-            <a:off x="190122" y="851878"/>
-            <a:ext cx="7267575" cy="5795430"/>
+            <a:off x="546100" y="560017"/>
+            <a:ext cx="6578600" cy="6305251"/>
           </a:xfrm>
           <a:prstGeom prst="rect">
             <a:avLst/>
           </a:prstGeom>
-          <a:noFill/>
-          <a:ln>
-            <a:noFill/>
-          </a:ln>
         </p:spPr>
       </p:pic>
     </p:spTree>
@@ -10244,10 +10605,10 @@
       </p:sp>
       <p:pic>
         <p:nvPicPr>
-          <p:cNvPr id="9" name="Image 8">
+          <p:cNvPr id="6" name="Image 5">
             <a:extLst>
               <a:ext uri="{FF2B5EF4-FFF2-40B4-BE49-F238E27FC236}">
-                <a16:creationId xmlns:a16="http://schemas.microsoft.com/office/drawing/2014/main" id="{BB4F0FCA-AA1D-E80B-0809-5F17FC20E6A6}"/>
+                <a16:creationId xmlns:a16="http://schemas.microsoft.com/office/drawing/2014/main" id="{39D6267E-1EFA-FC70-F6EA-9A7F60CFBC28}"/>
               </a:ext>
             </a:extLst>
           </p:cNvPr>
@@ -10264,23 +10625,18 @@
               </a:ext>
             </a:extLst>
           </a:blip>
-          <a:srcRect/>
           <a:stretch>
             <a:fillRect/>
           </a:stretch>
         </p:blipFill>
-        <p:spPr bwMode="auto">
+        <p:spPr>
           <a:xfrm>
-            <a:off x="1065218" y="1227499"/>
-            <a:ext cx="8178181" cy="4750362"/>
+            <a:off x="999460" y="804862"/>
+            <a:ext cx="9306590" cy="5248275"/>
           </a:xfrm>
           <a:prstGeom prst="rect">
             <a:avLst/>
           </a:prstGeom>
-          <a:noFill/>
-          <a:ln>
-            <a:noFill/>
-          </a:ln>
         </p:spPr>
       </p:pic>
     </p:spTree>
@@ -10456,7 +10812,7 @@
         </p:blipFill>
         <p:spPr bwMode="auto">
           <a:xfrm>
-            <a:off x="9527142" y="1151860"/>
+            <a:off x="6535961" y="5208378"/>
             <a:ext cx="811245" cy="901490"/>
           </a:xfrm>
           <a:prstGeom prst="rect">
@@ -10544,7 +10900,7 @@
         </p:blipFill>
         <p:spPr bwMode="auto">
           <a:xfrm>
-            <a:off x="6274526" y="5143392"/>
+            <a:off x="9782450" y="2507529"/>
             <a:ext cx="1501638" cy="941167"/>
           </a:xfrm>
           <a:prstGeom prst="rect">
@@ -10638,7 +10994,7 @@
         </p:blipFill>
         <p:spPr bwMode="auto">
           <a:xfrm>
-            <a:off x="839478" y="713923"/>
+            <a:off x="839478" y="699616"/>
             <a:ext cx="1092768" cy="1092768"/>
           </a:xfrm>
           <a:prstGeom prst="rect">
@@ -10685,7 +11041,7 @@
         </p:blipFill>
         <p:spPr bwMode="auto">
           <a:xfrm>
-            <a:off x="3520074" y="780590"/>
+            <a:off x="3519173" y="780590"/>
             <a:ext cx="1092767" cy="1092767"/>
           </a:xfrm>
           <a:prstGeom prst="rect">
@@ -10779,7 +11135,7 @@
         </p:blipFill>
         <p:spPr bwMode="auto">
           <a:xfrm>
-            <a:off x="6405106" y="1151860"/>
+            <a:off x="6363091" y="1724189"/>
             <a:ext cx="1501638" cy="750819"/>
           </a:xfrm>
           <a:prstGeom prst="rect">
@@ -10811,7 +11167,7 @@
         </p:nvSpPr>
         <p:spPr>
           <a:xfrm>
-            <a:off x="9191851" y="2128535"/>
+            <a:off x="6200670" y="6185053"/>
             <a:ext cx="1465397" cy="307777"/>
           </a:xfrm>
           <a:prstGeom prst="rect">
@@ -11052,7 +11408,7 @@
         </p:nvSpPr>
         <p:spPr>
           <a:xfrm>
-            <a:off x="6274526" y="6120067"/>
+            <a:off x="9782450" y="3484204"/>
             <a:ext cx="1632218" cy="523220"/>
           </a:xfrm>
           <a:prstGeom prst="rect">
@@ -11108,7 +11464,7 @@
         </p:nvSpPr>
         <p:spPr>
           <a:xfrm>
-            <a:off x="6274526" y="2057628"/>
+            <a:off x="6200670" y="2626396"/>
             <a:ext cx="2204537" cy="523220"/>
           </a:xfrm>
           <a:prstGeom prst="rect">
@@ -11171,7 +11527,7 @@
         </p:nvSpPr>
         <p:spPr>
           <a:xfrm>
-            <a:off x="3606482" y="1936323"/>
+            <a:off x="3359161" y="1962610"/>
             <a:ext cx="1297599" cy="307777"/>
           </a:xfrm>
           <a:prstGeom prst="rect">
@@ -11203,6 +11559,129 @@
               <a:latin typeface="Times New Roman" panose="02020603050405020304" pitchFamily="18" charset="0"/>
               <a:cs typeface="Times New Roman" panose="02020603050405020304" pitchFamily="18" charset="0"/>
             </a:endParaRPr>
+          </a:p>
+        </p:txBody>
+      </p:sp>
+      <p:sp>
+        <p:nvSpPr>
+          <p:cNvPr id="4" name="ZoneTexte 3">
+            <a:extLst>
+              <a:ext uri="{FF2B5EF4-FFF2-40B4-BE49-F238E27FC236}">
+                <a16:creationId xmlns:a16="http://schemas.microsoft.com/office/drawing/2014/main" id="{C98CBBCC-30B1-00BC-5490-D154390D7F30}"/>
+              </a:ext>
+            </a:extLst>
+          </p:cNvPr>
+          <p:cNvSpPr txBox="1"/>
+          <p:nvPr/>
+        </p:nvSpPr>
+        <p:spPr>
+          <a:xfrm>
+            <a:off x="1268022" y="2739453"/>
+            <a:ext cx="3167058" cy="430887"/>
+          </a:xfrm>
+          <a:prstGeom prst="rect">
+            <a:avLst/>
+          </a:prstGeom>
+          <a:noFill/>
+        </p:spPr>
+        <p:txBody>
+          <a:bodyPr wrap="square" rtlCol="0">
+            <a:spAutoFit/>
+          </a:bodyPr>
+          <a:lstStyle/>
+          <a:p>
+            <a:r>
+              <a:rPr lang="fr-FR" sz="2200" dirty="0">
+                <a:solidFill>
+                  <a:srgbClr val="C00000"/>
+                </a:solidFill>
+                <a:latin typeface="Arial" panose="020B0604020202020204" pitchFamily="34" charset="0"/>
+                <a:cs typeface="Arial" panose="020B0604020202020204" pitchFamily="34" charset="0"/>
+              </a:rPr>
+              <a:t>Outil de développement</a:t>
+            </a:r>
+          </a:p>
+        </p:txBody>
+      </p:sp>
+      <p:sp>
+        <p:nvSpPr>
+          <p:cNvPr id="6" name="ZoneTexte 5">
+            <a:extLst>
+              <a:ext uri="{FF2B5EF4-FFF2-40B4-BE49-F238E27FC236}">
+                <a16:creationId xmlns:a16="http://schemas.microsoft.com/office/drawing/2014/main" id="{1C23FA5A-60EB-15C1-43FD-1E6667DEE2AA}"/>
+              </a:ext>
+            </a:extLst>
+          </p:cNvPr>
+          <p:cNvSpPr txBox="1"/>
+          <p:nvPr/>
+        </p:nvSpPr>
+        <p:spPr>
+          <a:xfrm>
+            <a:off x="6535961" y="935990"/>
+            <a:ext cx="1477480" cy="430887"/>
+          </a:xfrm>
+          <a:prstGeom prst="rect">
+            <a:avLst/>
+          </a:prstGeom>
+          <a:noFill/>
+        </p:spPr>
+        <p:txBody>
+          <a:bodyPr wrap="square" rtlCol="0">
+            <a:spAutoFit/>
+          </a:bodyPr>
+          <a:lstStyle/>
+          <a:p>
+            <a:r>
+              <a:rPr lang="fr-FR" sz="2200" dirty="0">
+                <a:solidFill>
+                  <a:srgbClr val="C00000"/>
+                </a:solidFill>
+                <a:latin typeface="Arial" panose="020B0604020202020204" pitchFamily="34" charset="0"/>
+                <a:cs typeface="Arial" panose="020B0604020202020204" pitchFamily="34" charset="0"/>
+              </a:rPr>
+              <a:t>Utilitaire</a:t>
+            </a:r>
+          </a:p>
+        </p:txBody>
+      </p:sp>
+      <p:sp>
+        <p:nvSpPr>
+          <p:cNvPr id="16" name="ZoneTexte 15">
+            <a:extLst>
+              <a:ext uri="{FF2B5EF4-FFF2-40B4-BE49-F238E27FC236}">
+                <a16:creationId xmlns:a16="http://schemas.microsoft.com/office/drawing/2014/main" id="{FA502FB3-1FF6-CA97-46AD-61B46309D910}"/>
+              </a:ext>
+            </a:extLst>
+          </p:cNvPr>
+          <p:cNvSpPr txBox="1"/>
+          <p:nvPr/>
+        </p:nvSpPr>
+        <p:spPr>
+          <a:xfrm>
+            <a:off x="9542723" y="1073823"/>
+            <a:ext cx="2393664" cy="1107996"/>
+          </a:xfrm>
+          <a:prstGeom prst="rect">
+            <a:avLst/>
+          </a:prstGeom>
+          <a:noFill/>
+        </p:spPr>
+        <p:txBody>
+          <a:bodyPr wrap="square" rtlCol="0">
+            <a:spAutoFit/>
+          </a:bodyPr>
+          <a:lstStyle/>
+          <a:p>
+            <a:r>
+              <a:rPr lang="fr-FR" sz="2200" dirty="0">
+                <a:solidFill>
+                  <a:srgbClr val="C00000"/>
+                </a:solidFill>
+                <a:latin typeface="Arial" panose="020B0604020202020204" pitchFamily="34" charset="0"/>
+                <a:cs typeface="Arial" panose="020B0604020202020204" pitchFamily="34" charset="0"/>
+              </a:rPr>
+              <a:t>Outil de gestion de base de donnée</a:t>
+            </a:r>
           </a:p>
         </p:txBody>
       </p:sp>
@@ -11228,6 +11707,1360 @@
       </p:transition>
     </mc:Fallback>
   </mc:AlternateContent>
+  <p:timing>
+    <p:tnLst>
+      <p:par>
+        <p:cTn id="1" dur="indefinite" restart="never" nodeType="tmRoot">
+          <p:childTnLst>
+            <p:seq concurrent="1" nextAc="seek">
+              <p:cTn id="2" dur="indefinite" nodeType="mainSeq">
+                <p:childTnLst>
+                  <p:par>
+                    <p:cTn id="3" fill="hold">
+                      <p:stCondLst>
+                        <p:cond delay="indefinite"/>
+                      </p:stCondLst>
+                      <p:childTnLst>
+                        <p:par>
+                          <p:cTn id="4" fill="hold">
+                            <p:stCondLst>
+                              <p:cond delay="0"/>
+                            </p:stCondLst>
+                            <p:childTnLst>
+                              <p:par>
+                                <p:cTn id="5" presetID="10" presetClass="entr" presetSubtype="0" fill="hold" grpId="0" nodeType="clickEffect">
+                                  <p:stCondLst>
+                                    <p:cond delay="0"/>
+                                  </p:stCondLst>
+                                  <p:childTnLst>
+                                    <p:set>
+                                      <p:cBhvr>
+                                        <p:cTn id="6" dur="1" fill="hold">
+                                          <p:stCondLst>
+                                            <p:cond delay="0"/>
+                                          </p:stCondLst>
+                                        </p:cTn>
+                                        <p:tgtEl>
+                                          <p:spTgt spid="4"/>
+                                        </p:tgtEl>
+                                        <p:attrNameLst>
+                                          <p:attrName>style.visibility</p:attrName>
+                                        </p:attrNameLst>
+                                      </p:cBhvr>
+                                      <p:to>
+                                        <p:strVal val="visible"/>
+                                      </p:to>
+                                    </p:set>
+                                    <p:animEffect transition="in" filter="fade">
+                                      <p:cBhvr>
+                                        <p:cTn id="7" dur="500"/>
+                                        <p:tgtEl>
+                                          <p:spTgt spid="4"/>
+                                        </p:tgtEl>
+                                      </p:cBhvr>
+                                    </p:animEffect>
+                                  </p:childTnLst>
+                                </p:cTn>
+                              </p:par>
+                            </p:childTnLst>
+                          </p:cTn>
+                        </p:par>
+                      </p:childTnLst>
+                    </p:cTn>
+                  </p:par>
+                  <p:par>
+                    <p:cTn id="8" fill="hold">
+                      <p:stCondLst>
+                        <p:cond delay="indefinite"/>
+                      </p:stCondLst>
+                      <p:childTnLst>
+                        <p:par>
+                          <p:cTn id="9" fill="hold">
+                            <p:stCondLst>
+                              <p:cond delay="0"/>
+                            </p:stCondLst>
+                            <p:childTnLst>
+                              <p:par>
+                                <p:cTn id="10" presetID="10" presetClass="entr" presetSubtype="0" fill="hold" nodeType="clickEffect">
+                                  <p:stCondLst>
+                                    <p:cond delay="0"/>
+                                  </p:stCondLst>
+                                  <p:childTnLst>
+                                    <p:set>
+                                      <p:cBhvr>
+                                        <p:cTn id="11" dur="1" fill="hold">
+                                          <p:stCondLst>
+                                            <p:cond delay="0"/>
+                                          </p:stCondLst>
+                                        </p:cTn>
+                                        <p:tgtEl>
+                                          <p:spTgt spid="2056"/>
+                                        </p:tgtEl>
+                                        <p:attrNameLst>
+                                          <p:attrName>style.visibility</p:attrName>
+                                        </p:attrNameLst>
+                                      </p:cBhvr>
+                                      <p:to>
+                                        <p:strVal val="visible"/>
+                                      </p:to>
+                                    </p:set>
+                                    <p:animEffect transition="in" filter="fade">
+                                      <p:cBhvr>
+                                        <p:cTn id="12" dur="500"/>
+                                        <p:tgtEl>
+                                          <p:spTgt spid="2056"/>
+                                        </p:tgtEl>
+                                      </p:cBhvr>
+                                    </p:animEffect>
+                                  </p:childTnLst>
+                                </p:cTn>
+                              </p:par>
+                            </p:childTnLst>
+                          </p:cTn>
+                        </p:par>
+                      </p:childTnLst>
+                    </p:cTn>
+                  </p:par>
+                  <p:par>
+                    <p:cTn id="13" fill="hold">
+                      <p:stCondLst>
+                        <p:cond delay="indefinite"/>
+                      </p:stCondLst>
+                      <p:childTnLst>
+                        <p:par>
+                          <p:cTn id="14" fill="hold">
+                            <p:stCondLst>
+                              <p:cond delay="0"/>
+                            </p:stCondLst>
+                            <p:childTnLst>
+                              <p:par>
+                                <p:cTn id="15" presetID="2" presetClass="entr" presetSubtype="4" fill="hold" grpId="0" nodeType="clickEffect">
+                                  <p:stCondLst>
+                                    <p:cond delay="0"/>
+                                  </p:stCondLst>
+                                  <p:childTnLst>
+                                    <p:set>
+                                      <p:cBhvr>
+                                        <p:cTn id="16" dur="1" fill="hold">
+                                          <p:stCondLst>
+                                            <p:cond delay="0"/>
+                                          </p:stCondLst>
+                                        </p:cTn>
+                                        <p:tgtEl>
+                                          <p:spTgt spid="12"/>
+                                        </p:tgtEl>
+                                        <p:attrNameLst>
+                                          <p:attrName>style.visibility</p:attrName>
+                                        </p:attrNameLst>
+                                      </p:cBhvr>
+                                      <p:to>
+                                        <p:strVal val="visible"/>
+                                      </p:to>
+                                    </p:set>
+                                    <p:anim calcmode="lin" valueType="num">
+                                      <p:cBhvr additive="base">
+                                        <p:cTn id="17" dur="500" fill="hold"/>
+                                        <p:tgtEl>
+                                          <p:spTgt spid="12"/>
+                                        </p:tgtEl>
+                                        <p:attrNameLst>
+                                          <p:attrName>ppt_x</p:attrName>
+                                        </p:attrNameLst>
+                                      </p:cBhvr>
+                                      <p:tavLst>
+                                        <p:tav tm="0">
+                                          <p:val>
+                                            <p:strVal val="#ppt_x"/>
+                                          </p:val>
+                                        </p:tav>
+                                        <p:tav tm="100000">
+                                          <p:val>
+                                            <p:strVal val="#ppt_x"/>
+                                          </p:val>
+                                        </p:tav>
+                                      </p:tavLst>
+                                    </p:anim>
+                                    <p:anim calcmode="lin" valueType="num">
+                                      <p:cBhvr additive="base">
+                                        <p:cTn id="18" dur="500" fill="hold"/>
+                                        <p:tgtEl>
+                                          <p:spTgt spid="12"/>
+                                        </p:tgtEl>
+                                        <p:attrNameLst>
+                                          <p:attrName>ppt_y</p:attrName>
+                                        </p:attrNameLst>
+                                      </p:cBhvr>
+                                      <p:tavLst>
+                                        <p:tav tm="0">
+                                          <p:val>
+                                            <p:strVal val="1+#ppt_h/2"/>
+                                          </p:val>
+                                        </p:tav>
+                                        <p:tav tm="100000">
+                                          <p:val>
+                                            <p:strVal val="#ppt_y"/>
+                                          </p:val>
+                                        </p:tav>
+                                      </p:tavLst>
+                                    </p:anim>
+                                  </p:childTnLst>
+                                </p:cTn>
+                              </p:par>
+                            </p:childTnLst>
+                          </p:cTn>
+                        </p:par>
+                      </p:childTnLst>
+                    </p:cTn>
+                  </p:par>
+                  <p:par>
+                    <p:cTn id="19" fill="hold">
+                      <p:stCondLst>
+                        <p:cond delay="indefinite"/>
+                      </p:stCondLst>
+                      <p:childTnLst>
+                        <p:par>
+                          <p:cTn id="20" fill="hold">
+                            <p:stCondLst>
+                              <p:cond delay="0"/>
+                            </p:stCondLst>
+                            <p:childTnLst>
+                              <p:par>
+                                <p:cTn id="21" presetID="10" presetClass="entr" presetSubtype="0" fill="hold" nodeType="clickEffect">
+                                  <p:stCondLst>
+                                    <p:cond delay="0"/>
+                                  </p:stCondLst>
+                                  <p:childTnLst>
+                                    <p:set>
+                                      <p:cBhvr>
+                                        <p:cTn id="22" dur="1" fill="hold">
+                                          <p:stCondLst>
+                                            <p:cond delay="0"/>
+                                          </p:stCondLst>
+                                        </p:cTn>
+                                        <p:tgtEl>
+                                          <p:spTgt spid="2060"/>
+                                        </p:tgtEl>
+                                        <p:attrNameLst>
+                                          <p:attrName>style.visibility</p:attrName>
+                                        </p:attrNameLst>
+                                      </p:cBhvr>
+                                      <p:to>
+                                        <p:strVal val="visible"/>
+                                      </p:to>
+                                    </p:set>
+                                    <p:animEffect transition="in" filter="fade">
+                                      <p:cBhvr>
+                                        <p:cTn id="23" dur="500"/>
+                                        <p:tgtEl>
+                                          <p:spTgt spid="2060"/>
+                                        </p:tgtEl>
+                                      </p:cBhvr>
+                                    </p:animEffect>
+                                  </p:childTnLst>
+                                </p:cTn>
+                              </p:par>
+                            </p:childTnLst>
+                          </p:cTn>
+                        </p:par>
+                      </p:childTnLst>
+                    </p:cTn>
+                  </p:par>
+                  <p:par>
+                    <p:cTn id="24" fill="hold">
+                      <p:stCondLst>
+                        <p:cond delay="indefinite"/>
+                      </p:stCondLst>
+                      <p:childTnLst>
+                        <p:par>
+                          <p:cTn id="25" fill="hold">
+                            <p:stCondLst>
+                              <p:cond delay="0"/>
+                            </p:stCondLst>
+                            <p:childTnLst>
+                              <p:par>
+                                <p:cTn id="26" presetID="2" presetClass="entr" presetSubtype="4" fill="hold" grpId="0" nodeType="clickEffect">
+                                  <p:stCondLst>
+                                    <p:cond delay="0"/>
+                                  </p:stCondLst>
+                                  <p:childTnLst>
+                                    <p:set>
+                                      <p:cBhvr>
+                                        <p:cTn id="27" dur="1" fill="hold">
+                                          <p:stCondLst>
+                                            <p:cond delay="0"/>
+                                          </p:stCondLst>
+                                        </p:cTn>
+                                        <p:tgtEl>
+                                          <p:spTgt spid="15"/>
+                                        </p:tgtEl>
+                                        <p:attrNameLst>
+                                          <p:attrName>style.visibility</p:attrName>
+                                        </p:attrNameLst>
+                                      </p:cBhvr>
+                                      <p:to>
+                                        <p:strVal val="visible"/>
+                                      </p:to>
+                                    </p:set>
+                                    <p:anim calcmode="lin" valueType="num">
+                                      <p:cBhvr additive="base">
+                                        <p:cTn id="28" dur="500" fill="hold"/>
+                                        <p:tgtEl>
+                                          <p:spTgt spid="15"/>
+                                        </p:tgtEl>
+                                        <p:attrNameLst>
+                                          <p:attrName>ppt_x</p:attrName>
+                                        </p:attrNameLst>
+                                      </p:cBhvr>
+                                      <p:tavLst>
+                                        <p:tav tm="0">
+                                          <p:val>
+                                            <p:strVal val="#ppt_x"/>
+                                          </p:val>
+                                        </p:tav>
+                                        <p:tav tm="100000">
+                                          <p:val>
+                                            <p:strVal val="#ppt_x"/>
+                                          </p:val>
+                                        </p:tav>
+                                      </p:tavLst>
+                                    </p:anim>
+                                    <p:anim calcmode="lin" valueType="num">
+                                      <p:cBhvr additive="base">
+                                        <p:cTn id="29" dur="500" fill="hold"/>
+                                        <p:tgtEl>
+                                          <p:spTgt spid="15"/>
+                                        </p:tgtEl>
+                                        <p:attrNameLst>
+                                          <p:attrName>ppt_y</p:attrName>
+                                        </p:attrNameLst>
+                                      </p:cBhvr>
+                                      <p:tavLst>
+                                        <p:tav tm="0">
+                                          <p:val>
+                                            <p:strVal val="1+#ppt_h/2"/>
+                                          </p:val>
+                                        </p:tav>
+                                        <p:tav tm="100000">
+                                          <p:val>
+                                            <p:strVal val="#ppt_y"/>
+                                          </p:val>
+                                        </p:tav>
+                                      </p:tavLst>
+                                    </p:anim>
+                                  </p:childTnLst>
+                                </p:cTn>
+                              </p:par>
+                            </p:childTnLst>
+                          </p:cTn>
+                        </p:par>
+                      </p:childTnLst>
+                    </p:cTn>
+                  </p:par>
+                  <p:par>
+                    <p:cTn id="30" fill="hold">
+                      <p:stCondLst>
+                        <p:cond delay="indefinite"/>
+                      </p:stCondLst>
+                      <p:childTnLst>
+                        <p:par>
+                          <p:cTn id="31" fill="hold">
+                            <p:stCondLst>
+                              <p:cond delay="0"/>
+                            </p:stCondLst>
+                            <p:childTnLst>
+                              <p:par>
+                                <p:cTn id="32" presetID="10" presetClass="entr" presetSubtype="0" fill="hold" nodeType="clickEffect">
+                                  <p:stCondLst>
+                                    <p:cond delay="0"/>
+                                  </p:stCondLst>
+                                  <p:childTnLst>
+                                    <p:set>
+                                      <p:cBhvr>
+                                        <p:cTn id="33" dur="1" fill="hold">
+                                          <p:stCondLst>
+                                            <p:cond delay="0"/>
+                                          </p:stCondLst>
+                                        </p:cTn>
+                                        <p:tgtEl>
+                                          <p:spTgt spid="2050"/>
+                                        </p:tgtEl>
+                                        <p:attrNameLst>
+                                          <p:attrName>style.visibility</p:attrName>
+                                        </p:attrNameLst>
+                                      </p:cBhvr>
+                                      <p:to>
+                                        <p:strVal val="visible"/>
+                                      </p:to>
+                                    </p:set>
+                                    <p:animEffect transition="in" filter="fade">
+                                      <p:cBhvr>
+                                        <p:cTn id="34" dur="500"/>
+                                        <p:tgtEl>
+                                          <p:spTgt spid="2050"/>
+                                        </p:tgtEl>
+                                      </p:cBhvr>
+                                    </p:animEffect>
+                                  </p:childTnLst>
+                                </p:cTn>
+                              </p:par>
+                            </p:childTnLst>
+                          </p:cTn>
+                        </p:par>
+                      </p:childTnLst>
+                    </p:cTn>
+                  </p:par>
+                  <p:par>
+                    <p:cTn id="35" fill="hold">
+                      <p:stCondLst>
+                        <p:cond delay="indefinite"/>
+                      </p:stCondLst>
+                      <p:childTnLst>
+                        <p:par>
+                          <p:cTn id="36" fill="hold">
+                            <p:stCondLst>
+                              <p:cond delay="0"/>
+                            </p:stCondLst>
+                            <p:childTnLst>
+                              <p:par>
+                                <p:cTn id="37" presetID="2" presetClass="entr" presetSubtype="4" fill="hold" grpId="0" nodeType="clickEffect">
+                                  <p:stCondLst>
+                                    <p:cond delay="0"/>
+                                  </p:stCondLst>
+                                  <p:childTnLst>
+                                    <p:set>
+                                      <p:cBhvr>
+                                        <p:cTn id="38" dur="1" fill="hold">
+                                          <p:stCondLst>
+                                            <p:cond delay="0"/>
+                                          </p:stCondLst>
+                                        </p:cTn>
+                                        <p:tgtEl>
+                                          <p:spTgt spid="9"/>
+                                        </p:tgtEl>
+                                        <p:attrNameLst>
+                                          <p:attrName>style.visibility</p:attrName>
+                                        </p:attrNameLst>
+                                      </p:cBhvr>
+                                      <p:to>
+                                        <p:strVal val="visible"/>
+                                      </p:to>
+                                    </p:set>
+                                    <p:anim calcmode="lin" valueType="num">
+                                      <p:cBhvr additive="base">
+                                        <p:cTn id="39" dur="500" fill="hold"/>
+                                        <p:tgtEl>
+                                          <p:spTgt spid="9"/>
+                                        </p:tgtEl>
+                                        <p:attrNameLst>
+                                          <p:attrName>ppt_x</p:attrName>
+                                        </p:attrNameLst>
+                                      </p:cBhvr>
+                                      <p:tavLst>
+                                        <p:tav tm="0">
+                                          <p:val>
+                                            <p:strVal val="#ppt_x"/>
+                                          </p:val>
+                                        </p:tav>
+                                        <p:tav tm="100000">
+                                          <p:val>
+                                            <p:strVal val="#ppt_x"/>
+                                          </p:val>
+                                        </p:tav>
+                                      </p:tavLst>
+                                    </p:anim>
+                                    <p:anim calcmode="lin" valueType="num">
+                                      <p:cBhvr additive="base">
+                                        <p:cTn id="40" dur="500" fill="hold"/>
+                                        <p:tgtEl>
+                                          <p:spTgt spid="9"/>
+                                        </p:tgtEl>
+                                        <p:attrNameLst>
+                                          <p:attrName>ppt_y</p:attrName>
+                                        </p:attrNameLst>
+                                      </p:cBhvr>
+                                      <p:tavLst>
+                                        <p:tav tm="0">
+                                          <p:val>
+                                            <p:strVal val="1+#ppt_h/2"/>
+                                          </p:val>
+                                        </p:tav>
+                                        <p:tav tm="100000">
+                                          <p:val>
+                                            <p:strVal val="#ppt_y"/>
+                                          </p:val>
+                                        </p:tav>
+                                      </p:tavLst>
+                                    </p:anim>
+                                  </p:childTnLst>
+                                </p:cTn>
+                              </p:par>
+                            </p:childTnLst>
+                          </p:cTn>
+                        </p:par>
+                      </p:childTnLst>
+                    </p:cTn>
+                  </p:par>
+                  <p:par>
+                    <p:cTn id="41" fill="hold">
+                      <p:stCondLst>
+                        <p:cond delay="indefinite"/>
+                      </p:stCondLst>
+                      <p:childTnLst>
+                        <p:par>
+                          <p:cTn id="42" fill="hold">
+                            <p:stCondLst>
+                              <p:cond delay="0"/>
+                            </p:stCondLst>
+                            <p:childTnLst>
+                              <p:par>
+                                <p:cTn id="43" presetID="10" presetClass="entr" presetSubtype="0" fill="hold" nodeType="clickEffect">
+                                  <p:stCondLst>
+                                    <p:cond delay="0"/>
+                                  </p:stCondLst>
+                                  <p:childTnLst>
+                                    <p:set>
+                                      <p:cBhvr>
+                                        <p:cTn id="44" dur="1" fill="hold">
+                                          <p:stCondLst>
+                                            <p:cond delay="0"/>
+                                          </p:stCondLst>
+                                        </p:cTn>
+                                        <p:tgtEl>
+                                          <p:spTgt spid="2054"/>
+                                        </p:tgtEl>
+                                        <p:attrNameLst>
+                                          <p:attrName>style.visibility</p:attrName>
+                                        </p:attrNameLst>
+                                      </p:cBhvr>
+                                      <p:to>
+                                        <p:strVal val="visible"/>
+                                      </p:to>
+                                    </p:set>
+                                    <p:animEffect transition="in" filter="fade">
+                                      <p:cBhvr>
+                                        <p:cTn id="45" dur="500"/>
+                                        <p:tgtEl>
+                                          <p:spTgt spid="2054"/>
+                                        </p:tgtEl>
+                                      </p:cBhvr>
+                                    </p:animEffect>
+                                  </p:childTnLst>
+                                </p:cTn>
+                              </p:par>
+                            </p:childTnLst>
+                          </p:cTn>
+                        </p:par>
+                      </p:childTnLst>
+                    </p:cTn>
+                  </p:par>
+                  <p:par>
+                    <p:cTn id="46" fill="hold">
+                      <p:stCondLst>
+                        <p:cond delay="indefinite"/>
+                      </p:stCondLst>
+                      <p:childTnLst>
+                        <p:par>
+                          <p:cTn id="47" fill="hold">
+                            <p:stCondLst>
+                              <p:cond delay="0"/>
+                            </p:stCondLst>
+                            <p:childTnLst>
+                              <p:par>
+                                <p:cTn id="48" presetID="2" presetClass="entr" presetSubtype="4" fill="hold" grpId="0" nodeType="clickEffect">
+                                  <p:stCondLst>
+                                    <p:cond delay="0"/>
+                                  </p:stCondLst>
+                                  <p:childTnLst>
+                                    <p:set>
+                                      <p:cBhvr>
+                                        <p:cTn id="49" dur="1" fill="hold">
+                                          <p:stCondLst>
+                                            <p:cond delay="0"/>
+                                          </p:stCondLst>
+                                        </p:cTn>
+                                        <p:tgtEl>
+                                          <p:spTgt spid="10"/>
+                                        </p:tgtEl>
+                                        <p:attrNameLst>
+                                          <p:attrName>style.visibility</p:attrName>
+                                        </p:attrNameLst>
+                                      </p:cBhvr>
+                                      <p:to>
+                                        <p:strVal val="visible"/>
+                                      </p:to>
+                                    </p:set>
+                                    <p:anim calcmode="lin" valueType="num">
+                                      <p:cBhvr additive="base">
+                                        <p:cTn id="50" dur="500" fill="hold"/>
+                                        <p:tgtEl>
+                                          <p:spTgt spid="10"/>
+                                        </p:tgtEl>
+                                        <p:attrNameLst>
+                                          <p:attrName>ppt_x</p:attrName>
+                                        </p:attrNameLst>
+                                      </p:cBhvr>
+                                      <p:tavLst>
+                                        <p:tav tm="0">
+                                          <p:val>
+                                            <p:strVal val="#ppt_x"/>
+                                          </p:val>
+                                        </p:tav>
+                                        <p:tav tm="100000">
+                                          <p:val>
+                                            <p:strVal val="#ppt_x"/>
+                                          </p:val>
+                                        </p:tav>
+                                      </p:tavLst>
+                                    </p:anim>
+                                    <p:anim calcmode="lin" valueType="num">
+                                      <p:cBhvr additive="base">
+                                        <p:cTn id="51" dur="500" fill="hold"/>
+                                        <p:tgtEl>
+                                          <p:spTgt spid="10"/>
+                                        </p:tgtEl>
+                                        <p:attrNameLst>
+                                          <p:attrName>ppt_y</p:attrName>
+                                        </p:attrNameLst>
+                                      </p:cBhvr>
+                                      <p:tavLst>
+                                        <p:tav tm="0">
+                                          <p:val>
+                                            <p:strVal val="1+#ppt_h/2"/>
+                                          </p:val>
+                                        </p:tav>
+                                        <p:tav tm="100000">
+                                          <p:val>
+                                            <p:strVal val="#ppt_y"/>
+                                          </p:val>
+                                        </p:tav>
+                                      </p:tavLst>
+                                    </p:anim>
+                                  </p:childTnLst>
+                                </p:cTn>
+                              </p:par>
+                            </p:childTnLst>
+                          </p:cTn>
+                        </p:par>
+                      </p:childTnLst>
+                    </p:cTn>
+                  </p:par>
+                  <p:par>
+                    <p:cTn id="52" fill="hold">
+                      <p:stCondLst>
+                        <p:cond delay="indefinite"/>
+                      </p:stCondLst>
+                      <p:childTnLst>
+                        <p:par>
+                          <p:cTn id="53" fill="hold">
+                            <p:stCondLst>
+                              <p:cond delay="0"/>
+                            </p:stCondLst>
+                            <p:childTnLst>
+                              <p:par>
+                                <p:cTn id="54" presetID="10" presetClass="entr" presetSubtype="0" fill="hold" grpId="0" nodeType="clickEffect">
+                                  <p:stCondLst>
+                                    <p:cond delay="0"/>
+                                  </p:stCondLst>
+                                  <p:childTnLst>
+                                    <p:set>
+                                      <p:cBhvr>
+                                        <p:cTn id="55" dur="1" fill="hold">
+                                          <p:stCondLst>
+                                            <p:cond delay="0"/>
+                                          </p:stCondLst>
+                                        </p:cTn>
+                                        <p:tgtEl>
+                                          <p:spTgt spid="6"/>
+                                        </p:tgtEl>
+                                        <p:attrNameLst>
+                                          <p:attrName>style.visibility</p:attrName>
+                                        </p:attrNameLst>
+                                      </p:cBhvr>
+                                      <p:to>
+                                        <p:strVal val="visible"/>
+                                      </p:to>
+                                    </p:set>
+                                    <p:animEffect transition="in" filter="fade">
+                                      <p:cBhvr>
+                                        <p:cTn id="56" dur="500"/>
+                                        <p:tgtEl>
+                                          <p:spTgt spid="6"/>
+                                        </p:tgtEl>
+                                      </p:cBhvr>
+                                    </p:animEffect>
+                                  </p:childTnLst>
+                                </p:cTn>
+                              </p:par>
+                            </p:childTnLst>
+                          </p:cTn>
+                        </p:par>
+                      </p:childTnLst>
+                    </p:cTn>
+                  </p:par>
+                  <p:par>
+                    <p:cTn id="57" fill="hold">
+                      <p:stCondLst>
+                        <p:cond delay="indefinite"/>
+                      </p:stCondLst>
+                      <p:childTnLst>
+                        <p:par>
+                          <p:cTn id="58" fill="hold">
+                            <p:stCondLst>
+                              <p:cond delay="0"/>
+                            </p:stCondLst>
+                            <p:childTnLst>
+                              <p:par>
+                                <p:cTn id="59" presetID="10" presetClass="entr" presetSubtype="0" fill="hold" nodeType="clickEffect">
+                                  <p:stCondLst>
+                                    <p:cond delay="0"/>
+                                  </p:stCondLst>
+                                  <p:childTnLst>
+                                    <p:set>
+                                      <p:cBhvr>
+                                        <p:cTn id="60" dur="1" fill="hold">
+                                          <p:stCondLst>
+                                            <p:cond delay="0"/>
+                                          </p:stCondLst>
+                                        </p:cTn>
+                                        <p:tgtEl>
+                                          <p:spTgt spid="2064"/>
+                                        </p:tgtEl>
+                                        <p:attrNameLst>
+                                          <p:attrName>style.visibility</p:attrName>
+                                        </p:attrNameLst>
+                                      </p:cBhvr>
+                                      <p:to>
+                                        <p:strVal val="visible"/>
+                                      </p:to>
+                                    </p:set>
+                                    <p:animEffect transition="in" filter="fade">
+                                      <p:cBhvr>
+                                        <p:cTn id="61" dur="500"/>
+                                        <p:tgtEl>
+                                          <p:spTgt spid="2064"/>
+                                        </p:tgtEl>
+                                      </p:cBhvr>
+                                    </p:animEffect>
+                                  </p:childTnLst>
+                                </p:cTn>
+                              </p:par>
+                            </p:childTnLst>
+                          </p:cTn>
+                        </p:par>
+                      </p:childTnLst>
+                    </p:cTn>
+                  </p:par>
+                  <p:par>
+                    <p:cTn id="62" fill="hold">
+                      <p:stCondLst>
+                        <p:cond delay="indefinite"/>
+                      </p:stCondLst>
+                      <p:childTnLst>
+                        <p:par>
+                          <p:cTn id="63" fill="hold">
+                            <p:stCondLst>
+                              <p:cond delay="0"/>
+                            </p:stCondLst>
+                            <p:childTnLst>
+                              <p:par>
+                                <p:cTn id="64" presetID="2" presetClass="entr" presetSubtype="4" fill="hold" grpId="0" nodeType="clickEffect">
+                                  <p:stCondLst>
+                                    <p:cond delay="0"/>
+                                  </p:stCondLst>
+                                  <p:childTnLst>
+                                    <p:set>
+                                      <p:cBhvr>
+                                        <p:cTn id="65" dur="1" fill="hold">
+                                          <p:stCondLst>
+                                            <p:cond delay="0"/>
+                                          </p:stCondLst>
+                                        </p:cTn>
+                                        <p:tgtEl>
+                                          <p:spTgt spid="14"/>
+                                        </p:tgtEl>
+                                        <p:attrNameLst>
+                                          <p:attrName>style.visibility</p:attrName>
+                                        </p:attrNameLst>
+                                      </p:cBhvr>
+                                      <p:to>
+                                        <p:strVal val="visible"/>
+                                      </p:to>
+                                    </p:set>
+                                    <p:anim calcmode="lin" valueType="num">
+                                      <p:cBhvr additive="base">
+                                        <p:cTn id="66" dur="500" fill="hold"/>
+                                        <p:tgtEl>
+                                          <p:spTgt spid="14"/>
+                                        </p:tgtEl>
+                                        <p:attrNameLst>
+                                          <p:attrName>ppt_x</p:attrName>
+                                        </p:attrNameLst>
+                                      </p:cBhvr>
+                                      <p:tavLst>
+                                        <p:tav tm="0">
+                                          <p:val>
+                                            <p:strVal val="#ppt_x"/>
+                                          </p:val>
+                                        </p:tav>
+                                        <p:tav tm="100000">
+                                          <p:val>
+                                            <p:strVal val="#ppt_x"/>
+                                          </p:val>
+                                        </p:tav>
+                                      </p:tavLst>
+                                    </p:anim>
+                                    <p:anim calcmode="lin" valueType="num">
+                                      <p:cBhvr additive="base">
+                                        <p:cTn id="67" dur="500" fill="hold"/>
+                                        <p:tgtEl>
+                                          <p:spTgt spid="14"/>
+                                        </p:tgtEl>
+                                        <p:attrNameLst>
+                                          <p:attrName>ppt_y</p:attrName>
+                                        </p:attrNameLst>
+                                      </p:cBhvr>
+                                      <p:tavLst>
+                                        <p:tav tm="0">
+                                          <p:val>
+                                            <p:strVal val="1+#ppt_h/2"/>
+                                          </p:val>
+                                        </p:tav>
+                                        <p:tav tm="100000">
+                                          <p:val>
+                                            <p:strVal val="#ppt_y"/>
+                                          </p:val>
+                                        </p:tav>
+                                      </p:tavLst>
+                                    </p:anim>
+                                  </p:childTnLst>
+                                </p:cTn>
+                              </p:par>
+                            </p:childTnLst>
+                          </p:cTn>
+                        </p:par>
+                      </p:childTnLst>
+                    </p:cTn>
+                  </p:par>
+                  <p:par>
+                    <p:cTn id="68" fill="hold">
+                      <p:stCondLst>
+                        <p:cond delay="indefinite"/>
+                      </p:stCondLst>
+                      <p:childTnLst>
+                        <p:par>
+                          <p:cTn id="69" fill="hold">
+                            <p:stCondLst>
+                              <p:cond delay="0"/>
+                            </p:stCondLst>
+                            <p:childTnLst>
+                              <p:par>
+                                <p:cTn id="70" presetID="10" presetClass="entr" presetSubtype="0" fill="hold" nodeType="clickEffect">
+                                  <p:stCondLst>
+                                    <p:cond delay="0"/>
+                                  </p:stCondLst>
+                                  <p:childTnLst>
+                                    <p:set>
+                                      <p:cBhvr>
+                                        <p:cTn id="71" dur="1" fill="hold">
+                                          <p:stCondLst>
+                                            <p:cond delay="0"/>
+                                          </p:stCondLst>
+                                        </p:cTn>
+                                        <p:tgtEl>
+                                          <p:spTgt spid="2062"/>
+                                        </p:tgtEl>
+                                        <p:attrNameLst>
+                                          <p:attrName>style.visibility</p:attrName>
+                                        </p:attrNameLst>
+                                      </p:cBhvr>
+                                      <p:to>
+                                        <p:strVal val="visible"/>
+                                      </p:to>
+                                    </p:set>
+                                    <p:animEffect transition="in" filter="fade">
+                                      <p:cBhvr>
+                                        <p:cTn id="72" dur="500"/>
+                                        <p:tgtEl>
+                                          <p:spTgt spid="2062"/>
+                                        </p:tgtEl>
+                                      </p:cBhvr>
+                                    </p:animEffect>
+                                  </p:childTnLst>
+                                </p:cTn>
+                              </p:par>
+                            </p:childTnLst>
+                          </p:cTn>
+                        </p:par>
+                      </p:childTnLst>
+                    </p:cTn>
+                  </p:par>
+                  <p:par>
+                    <p:cTn id="73" fill="hold">
+                      <p:stCondLst>
+                        <p:cond delay="indefinite"/>
+                      </p:stCondLst>
+                      <p:childTnLst>
+                        <p:par>
+                          <p:cTn id="74" fill="hold">
+                            <p:stCondLst>
+                              <p:cond delay="0"/>
+                            </p:stCondLst>
+                            <p:childTnLst>
+                              <p:par>
+                                <p:cTn id="75" presetID="2" presetClass="entr" presetSubtype="4" fill="hold" grpId="0" nodeType="clickEffect">
+                                  <p:stCondLst>
+                                    <p:cond delay="0"/>
+                                  </p:stCondLst>
+                                  <p:childTnLst>
+                                    <p:set>
+                                      <p:cBhvr>
+                                        <p:cTn id="76" dur="1" fill="hold">
+                                          <p:stCondLst>
+                                            <p:cond delay="0"/>
+                                          </p:stCondLst>
+                                        </p:cTn>
+                                        <p:tgtEl>
+                                          <p:spTgt spid="11"/>
+                                        </p:tgtEl>
+                                        <p:attrNameLst>
+                                          <p:attrName>style.visibility</p:attrName>
+                                        </p:attrNameLst>
+                                      </p:cBhvr>
+                                      <p:to>
+                                        <p:strVal val="visible"/>
+                                      </p:to>
+                                    </p:set>
+                                    <p:anim calcmode="lin" valueType="num">
+                                      <p:cBhvr additive="base">
+                                        <p:cTn id="77" dur="500" fill="hold"/>
+                                        <p:tgtEl>
+                                          <p:spTgt spid="11"/>
+                                        </p:tgtEl>
+                                        <p:attrNameLst>
+                                          <p:attrName>ppt_x</p:attrName>
+                                        </p:attrNameLst>
+                                      </p:cBhvr>
+                                      <p:tavLst>
+                                        <p:tav tm="0">
+                                          <p:val>
+                                            <p:strVal val="#ppt_x"/>
+                                          </p:val>
+                                        </p:tav>
+                                        <p:tav tm="100000">
+                                          <p:val>
+                                            <p:strVal val="#ppt_x"/>
+                                          </p:val>
+                                        </p:tav>
+                                      </p:tavLst>
+                                    </p:anim>
+                                    <p:anim calcmode="lin" valueType="num">
+                                      <p:cBhvr additive="base">
+                                        <p:cTn id="78" dur="500" fill="hold"/>
+                                        <p:tgtEl>
+                                          <p:spTgt spid="11"/>
+                                        </p:tgtEl>
+                                        <p:attrNameLst>
+                                          <p:attrName>ppt_y</p:attrName>
+                                        </p:attrNameLst>
+                                      </p:cBhvr>
+                                      <p:tavLst>
+                                        <p:tav tm="0">
+                                          <p:val>
+                                            <p:strVal val="1+#ppt_h/2"/>
+                                          </p:val>
+                                        </p:tav>
+                                        <p:tav tm="100000">
+                                          <p:val>
+                                            <p:strVal val="#ppt_y"/>
+                                          </p:val>
+                                        </p:tav>
+                                      </p:tavLst>
+                                    </p:anim>
+                                  </p:childTnLst>
+                                </p:cTn>
+                              </p:par>
+                            </p:childTnLst>
+                          </p:cTn>
+                        </p:par>
+                      </p:childTnLst>
+                    </p:cTn>
+                  </p:par>
+                  <p:par>
+                    <p:cTn id="79" fill="hold">
+                      <p:stCondLst>
+                        <p:cond delay="indefinite"/>
+                      </p:stCondLst>
+                      <p:childTnLst>
+                        <p:par>
+                          <p:cTn id="80" fill="hold">
+                            <p:stCondLst>
+                              <p:cond delay="0"/>
+                            </p:stCondLst>
+                            <p:childTnLst>
+                              <p:par>
+                                <p:cTn id="81" presetID="10" presetClass="entr" presetSubtype="0" fill="hold" nodeType="clickEffect">
+                                  <p:stCondLst>
+                                    <p:cond delay="0"/>
+                                  </p:stCondLst>
+                                  <p:childTnLst>
+                                    <p:set>
+                                      <p:cBhvr>
+                                        <p:cTn id="82" dur="1" fill="hold">
+                                          <p:stCondLst>
+                                            <p:cond delay="0"/>
+                                          </p:stCondLst>
+                                        </p:cTn>
+                                        <p:tgtEl>
+                                          <p:spTgt spid="7"/>
+                                        </p:tgtEl>
+                                        <p:attrNameLst>
+                                          <p:attrName>style.visibility</p:attrName>
+                                        </p:attrNameLst>
+                                      </p:cBhvr>
+                                      <p:to>
+                                        <p:strVal val="visible"/>
+                                      </p:to>
+                                    </p:set>
+                                    <p:animEffect transition="in" filter="fade">
+                                      <p:cBhvr>
+                                        <p:cTn id="83" dur="500"/>
+                                        <p:tgtEl>
+                                          <p:spTgt spid="7"/>
+                                        </p:tgtEl>
+                                      </p:cBhvr>
+                                    </p:animEffect>
+                                  </p:childTnLst>
+                                </p:cTn>
+                              </p:par>
+                            </p:childTnLst>
+                          </p:cTn>
+                        </p:par>
+                      </p:childTnLst>
+                    </p:cTn>
+                  </p:par>
+                  <p:par>
+                    <p:cTn id="84" fill="hold">
+                      <p:stCondLst>
+                        <p:cond delay="indefinite"/>
+                      </p:stCondLst>
+                      <p:childTnLst>
+                        <p:par>
+                          <p:cTn id="85" fill="hold">
+                            <p:stCondLst>
+                              <p:cond delay="0"/>
+                            </p:stCondLst>
+                            <p:childTnLst>
+                              <p:par>
+                                <p:cTn id="86" presetID="2" presetClass="entr" presetSubtype="4" fill="hold" grpId="0" nodeType="clickEffect">
+                                  <p:stCondLst>
+                                    <p:cond delay="0"/>
+                                  </p:stCondLst>
+                                  <p:childTnLst>
+                                    <p:set>
+                                      <p:cBhvr>
+                                        <p:cTn id="87" dur="1" fill="hold">
+                                          <p:stCondLst>
+                                            <p:cond delay="0"/>
+                                          </p:stCondLst>
+                                        </p:cTn>
+                                        <p:tgtEl>
+                                          <p:spTgt spid="8"/>
+                                        </p:tgtEl>
+                                        <p:attrNameLst>
+                                          <p:attrName>style.visibility</p:attrName>
+                                        </p:attrNameLst>
+                                      </p:cBhvr>
+                                      <p:to>
+                                        <p:strVal val="visible"/>
+                                      </p:to>
+                                    </p:set>
+                                    <p:anim calcmode="lin" valueType="num">
+                                      <p:cBhvr additive="base">
+                                        <p:cTn id="88" dur="500" fill="hold"/>
+                                        <p:tgtEl>
+                                          <p:spTgt spid="8"/>
+                                        </p:tgtEl>
+                                        <p:attrNameLst>
+                                          <p:attrName>ppt_x</p:attrName>
+                                        </p:attrNameLst>
+                                      </p:cBhvr>
+                                      <p:tavLst>
+                                        <p:tav tm="0">
+                                          <p:val>
+                                            <p:strVal val="#ppt_x"/>
+                                          </p:val>
+                                        </p:tav>
+                                        <p:tav tm="100000">
+                                          <p:val>
+                                            <p:strVal val="#ppt_x"/>
+                                          </p:val>
+                                        </p:tav>
+                                      </p:tavLst>
+                                    </p:anim>
+                                    <p:anim calcmode="lin" valueType="num">
+                                      <p:cBhvr additive="base">
+                                        <p:cTn id="89" dur="500" fill="hold"/>
+                                        <p:tgtEl>
+                                          <p:spTgt spid="8"/>
+                                        </p:tgtEl>
+                                        <p:attrNameLst>
+                                          <p:attrName>ppt_y</p:attrName>
+                                        </p:attrNameLst>
+                                      </p:cBhvr>
+                                      <p:tavLst>
+                                        <p:tav tm="0">
+                                          <p:val>
+                                            <p:strVal val="1+#ppt_h/2"/>
+                                          </p:val>
+                                        </p:tav>
+                                        <p:tav tm="100000">
+                                          <p:val>
+                                            <p:strVal val="#ppt_y"/>
+                                          </p:val>
+                                        </p:tav>
+                                      </p:tavLst>
+                                    </p:anim>
+                                  </p:childTnLst>
+                                </p:cTn>
+                              </p:par>
+                            </p:childTnLst>
+                          </p:cTn>
+                        </p:par>
+                      </p:childTnLst>
+                    </p:cTn>
+                  </p:par>
+                  <p:par>
+                    <p:cTn id="90" fill="hold">
+                      <p:stCondLst>
+                        <p:cond delay="indefinite"/>
+                      </p:stCondLst>
+                      <p:childTnLst>
+                        <p:par>
+                          <p:cTn id="91" fill="hold">
+                            <p:stCondLst>
+                              <p:cond delay="0"/>
+                            </p:stCondLst>
+                            <p:childTnLst>
+                              <p:par>
+                                <p:cTn id="92" presetID="10" presetClass="entr" presetSubtype="0" fill="hold" grpId="0" nodeType="clickEffect">
+                                  <p:stCondLst>
+                                    <p:cond delay="0"/>
+                                  </p:stCondLst>
+                                  <p:childTnLst>
+                                    <p:set>
+                                      <p:cBhvr>
+                                        <p:cTn id="93" dur="1" fill="hold">
+                                          <p:stCondLst>
+                                            <p:cond delay="0"/>
+                                          </p:stCondLst>
+                                        </p:cTn>
+                                        <p:tgtEl>
+                                          <p:spTgt spid="16"/>
+                                        </p:tgtEl>
+                                        <p:attrNameLst>
+                                          <p:attrName>style.visibility</p:attrName>
+                                        </p:attrNameLst>
+                                      </p:cBhvr>
+                                      <p:to>
+                                        <p:strVal val="visible"/>
+                                      </p:to>
+                                    </p:set>
+                                    <p:animEffect transition="in" filter="fade">
+                                      <p:cBhvr>
+                                        <p:cTn id="94" dur="500"/>
+                                        <p:tgtEl>
+                                          <p:spTgt spid="16"/>
+                                        </p:tgtEl>
+                                      </p:cBhvr>
+                                    </p:animEffect>
+                                  </p:childTnLst>
+                                </p:cTn>
+                              </p:par>
+                            </p:childTnLst>
+                          </p:cTn>
+                        </p:par>
+                      </p:childTnLst>
+                    </p:cTn>
+                  </p:par>
+                  <p:par>
+                    <p:cTn id="95" fill="hold">
+                      <p:stCondLst>
+                        <p:cond delay="indefinite"/>
+                      </p:stCondLst>
+                      <p:childTnLst>
+                        <p:par>
+                          <p:cTn id="96" fill="hold">
+                            <p:stCondLst>
+                              <p:cond delay="0"/>
+                            </p:stCondLst>
+                            <p:childTnLst>
+                              <p:par>
+                                <p:cTn id="97" presetID="10" presetClass="entr" presetSubtype="0" fill="hold" nodeType="clickEffect">
+                                  <p:stCondLst>
+                                    <p:cond delay="0"/>
+                                  </p:stCondLst>
+                                  <p:childTnLst>
+                                    <p:set>
+                                      <p:cBhvr>
+                                        <p:cTn id="98" dur="1" fill="hold">
+                                          <p:stCondLst>
+                                            <p:cond delay="0"/>
+                                          </p:stCondLst>
+                                        </p:cTn>
+                                        <p:tgtEl>
+                                          <p:spTgt spid="2052"/>
+                                        </p:tgtEl>
+                                        <p:attrNameLst>
+                                          <p:attrName>style.visibility</p:attrName>
+                                        </p:attrNameLst>
+                                      </p:cBhvr>
+                                      <p:to>
+                                        <p:strVal val="visible"/>
+                                      </p:to>
+                                    </p:set>
+                                    <p:animEffect transition="in" filter="fade">
+                                      <p:cBhvr>
+                                        <p:cTn id="99" dur="500"/>
+                                        <p:tgtEl>
+                                          <p:spTgt spid="2052"/>
+                                        </p:tgtEl>
+                                      </p:cBhvr>
+                                    </p:animEffect>
+                                  </p:childTnLst>
+                                </p:cTn>
+                              </p:par>
+                            </p:childTnLst>
+                          </p:cTn>
+                        </p:par>
+                      </p:childTnLst>
+                    </p:cTn>
+                  </p:par>
+                  <p:par>
+                    <p:cTn id="100" fill="hold">
+                      <p:stCondLst>
+                        <p:cond delay="indefinite"/>
+                      </p:stCondLst>
+                      <p:childTnLst>
+                        <p:par>
+                          <p:cTn id="101" fill="hold">
+                            <p:stCondLst>
+                              <p:cond delay="0"/>
+                            </p:stCondLst>
+                            <p:childTnLst>
+                              <p:par>
+                                <p:cTn id="102" presetID="2" presetClass="entr" presetSubtype="4" fill="hold" grpId="0" nodeType="clickEffect">
+                                  <p:stCondLst>
+                                    <p:cond delay="0"/>
+                                  </p:stCondLst>
+                                  <p:childTnLst>
+                                    <p:set>
+                                      <p:cBhvr>
+                                        <p:cTn id="103" dur="1" fill="hold">
+                                          <p:stCondLst>
+                                            <p:cond delay="0"/>
+                                          </p:stCondLst>
+                                        </p:cTn>
+                                        <p:tgtEl>
+                                          <p:spTgt spid="13"/>
+                                        </p:tgtEl>
+                                        <p:attrNameLst>
+                                          <p:attrName>style.visibility</p:attrName>
+                                        </p:attrNameLst>
+                                      </p:cBhvr>
+                                      <p:to>
+                                        <p:strVal val="visible"/>
+                                      </p:to>
+                                    </p:set>
+                                    <p:anim calcmode="lin" valueType="num">
+                                      <p:cBhvr additive="base">
+                                        <p:cTn id="104" dur="500" fill="hold"/>
+                                        <p:tgtEl>
+                                          <p:spTgt spid="13"/>
+                                        </p:tgtEl>
+                                        <p:attrNameLst>
+                                          <p:attrName>ppt_x</p:attrName>
+                                        </p:attrNameLst>
+                                      </p:cBhvr>
+                                      <p:tavLst>
+                                        <p:tav tm="0">
+                                          <p:val>
+                                            <p:strVal val="#ppt_x"/>
+                                          </p:val>
+                                        </p:tav>
+                                        <p:tav tm="100000">
+                                          <p:val>
+                                            <p:strVal val="#ppt_x"/>
+                                          </p:val>
+                                        </p:tav>
+                                      </p:tavLst>
+                                    </p:anim>
+                                    <p:anim calcmode="lin" valueType="num">
+                                      <p:cBhvr additive="base">
+                                        <p:cTn id="105" dur="500" fill="hold"/>
+                                        <p:tgtEl>
+                                          <p:spTgt spid="13"/>
+                                        </p:tgtEl>
+                                        <p:attrNameLst>
+                                          <p:attrName>ppt_y</p:attrName>
+                                        </p:attrNameLst>
+                                      </p:cBhvr>
+                                      <p:tavLst>
+                                        <p:tav tm="0">
+                                          <p:val>
+                                            <p:strVal val="1+#ppt_h/2"/>
+                                          </p:val>
+                                        </p:tav>
+                                        <p:tav tm="100000">
+                                          <p:val>
+                                            <p:strVal val="#ppt_y"/>
+                                          </p:val>
+                                        </p:tav>
+                                      </p:tavLst>
+                                    </p:anim>
+                                  </p:childTnLst>
+                                </p:cTn>
+                              </p:par>
+                            </p:childTnLst>
+                          </p:cTn>
+                        </p:par>
+                      </p:childTnLst>
+                    </p:cTn>
+                  </p:par>
+                </p:childTnLst>
+              </p:cTn>
+              <p:prevCondLst>
+                <p:cond evt="onPrev" delay="0">
+                  <p:tgtEl>
+                    <p:sldTgt/>
+                  </p:tgtEl>
+                </p:cond>
+              </p:prevCondLst>
+              <p:nextCondLst>
+                <p:cond evt="onNext" delay="0">
+                  <p:tgtEl>
+                    <p:sldTgt/>
+                  </p:tgtEl>
+                </p:cond>
+              </p:nextCondLst>
+            </p:seq>
+          </p:childTnLst>
+        </p:cTn>
+      </p:par>
+    </p:tnLst>
+    <p:bldLst>
+      <p:bldP spid="8" grpId="0"/>
+      <p:bldP spid="9" grpId="0"/>
+      <p:bldP spid="10" grpId="0"/>
+      <p:bldP spid="11" grpId="0"/>
+      <p:bldP spid="12" grpId="0"/>
+      <p:bldP spid="13" grpId="0"/>
+      <p:bldP spid="14" grpId="0"/>
+      <p:bldP spid="15" grpId="0"/>
+      <p:bldP spid="4" grpId="0"/>
+      <p:bldP spid="6" grpId="0"/>
+      <p:bldP spid="16" grpId="0"/>
+    </p:bldLst>
+  </p:timing>
 </p:sld>
 </file>
 
@@ -11270,10 +13103,14 @@
           <a:lstStyle/>
           <a:p>
             <a:fld id="{B46DBA9D-A1C0-4232-B92A-100D8A4C42E2}" type="slidenum">
-              <a:rPr lang="fr-FR" smtClean="0"/>
+              <a:rPr lang="fr-FR" sz="2200" smtClean="0">
+                <a:latin typeface="Arial Black" panose="020B0A04020102020204" pitchFamily="34" charset="0"/>
+              </a:rPr>
               <a:t>17</a:t>
             </a:fld>
-            <a:endParaRPr lang="fr-FR"/>
+            <a:endParaRPr lang="fr-FR" sz="2200" dirty="0">
+              <a:latin typeface="Arial Black" panose="020B0A04020102020204" pitchFamily="34" charset="0"/>
+            </a:endParaRPr>
           </a:p>
         </p:txBody>
       </p:sp>
@@ -11292,7 +13129,7 @@
           <p:nvPr/>
         </p:nvPicPr>
         <p:blipFill>
-          <a:blip r:embed="rId2">
+          <a:blip r:embed="rId3">
             <a:extLst>
               <a:ext uri="{28A0092B-C50C-407E-A947-70E740481C1C}">
                 <a14:useLocalDpi xmlns:a14="http://schemas.microsoft.com/office/drawing/2010/main" val="0"/>
@@ -11380,6 +13217,183 @@
   <p:clrMapOvr>
     <a:masterClrMapping/>
   </p:clrMapOvr>
+  <p:timing>
+    <p:tnLst>
+      <p:par>
+        <p:cTn id="1" dur="indefinite" restart="never" nodeType="tmRoot">
+          <p:childTnLst>
+            <p:seq concurrent="1" nextAc="seek">
+              <p:cTn id="2" dur="indefinite" nodeType="mainSeq">
+                <p:childTnLst>
+                  <p:par>
+                    <p:cTn id="3" fill="hold">
+                      <p:stCondLst>
+                        <p:cond delay="indefinite"/>
+                      </p:stCondLst>
+                      <p:childTnLst>
+                        <p:par>
+                          <p:cTn id="4" fill="hold">
+                            <p:stCondLst>
+                              <p:cond delay="0"/>
+                            </p:stCondLst>
+                            <p:childTnLst>
+                              <p:par>
+                                <p:cTn id="5" presetID="10" presetClass="entr" presetSubtype="0" fill="hold" grpId="0" nodeType="clickEffect">
+                                  <p:stCondLst>
+                                    <p:cond delay="0"/>
+                                  </p:stCondLst>
+                                  <p:childTnLst>
+                                    <p:set>
+                                      <p:cBhvr>
+                                        <p:cTn id="6" dur="1" fill="hold">
+                                          <p:stCondLst>
+                                            <p:cond delay="0"/>
+                                          </p:stCondLst>
+                                        </p:cTn>
+                                        <p:tgtEl>
+                                          <p:spTgt spid="6"/>
+                                        </p:tgtEl>
+                                        <p:attrNameLst>
+                                          <p:attrName>style.visibility</p:attrName>
+                                        </p:attrNameLst>
+                                      </p:cBhvr>
+                                      <p:to>
+                                        <p:strVal val="visible"/>
+                                      </p:to>
+                                    </p:set>
+                                    <p:animEffect transition="in" filter="fade">
+                                      <p:cBhvr>
+                                        <p:cTn id="7" dur="500"/>
+                                        <p:tgtEl>
+                                          <p:spTgt spid="6"/>
+                                        </p:tgtEl>
+                                      </p:cBhvr>
+                                    </p:animEffect>
+                                  </p:childTnLst>
+                                </p:cTn>
+                              </p:par>
+                            </p:childTnLst>
+                          </p:cTn>
+                        </p:par>
+                      </p:childTnLst>
+                    </p:cTn>
+                  </p:par>
+                  <p:par>
+                    <p:cTn id="8" fill="hold">
+                      <p:stCondLst>
+                        <p:cond delay="indefinite"/>
+                      </p:stCondLst>
+                      <p:childTnLst>
+                        <p:par>
+                          <p:cTn id="9" fill="hold">
+                            <p:stCondLst>
+                              <p:cond delay="0"/>
+                            </p:stCondLst>
+                            <p:childTnLst>
+                              <p:par>
+                                <p:cTn id="10" presetID="2" presetClass="entr" presetSubtype="4" fill="hold" nodeType="clickEffect">
+                                  <p:stCondLst>
+                                    <p:cond delay="0"/>
+                                  </p:stCondLst>
+                                  <p:childTnLst>
+                                    <p:set>
+                                      <p:cBhvr>
+                                        <p:cTn id="11" dur="1" fill="hold">
+                                          <p:stCondLst>
+                                            <p:cond delay="0"/>
+                                          </p:stCondLst>
+                                        </p:cTn>
+                                        <p:tgtEl>
+                                          <p:spTgt spid="1028"/>
+                                        </p:tgtEl>
+                                        <p:attrNameLst>
+                                          <p:attrName>style.visibility</p:attrName>
+                                        </p:attrNameLst>
+                                      </p:cBhvr>
+                                      <p:to>
+                                        <p:strVal val="visible"/>
+                                      </p:to>
+                                    </p:set>
+                                    <p:anim calcmode="lin" valueType="num">
+                                      <p:cBhvr additive="base">
+                                        <p:cTn id="12" dur="500" fill="hold"/>
+                                        <p:tgtEl>
+                                          <p:spTgt spid="1028"/>
+                                        </p:tgtEl>
+                                        <p:attrNameLst>
+                                          <p:attrName>ppt_x</p:attrName>
+                                        </p:attrNameLst>
+                                      </p:cBhvr>
+                                      <p:tavLst>
+                                        <p:tav tm="0">
+                                          <p:val>
+                                            <p:strVal val="#ppt_x"/>
+                                          </p:val>
+                                        </p:tav>
+                                        <p:tav tm="100000">
+                                          <p:val>
+                                            <p:strVal val="#ppt_x"/>
+                                          </p:val>
+                                        </p:tav>
+                                      </p:tavLst>
+                                    </p:anim>
+                                    <p:anim calcmode="lin" valueType="num">
+                                      <p:cBhvr additive="base">
+                                        <p:cTn id="13" dur="500" fill="hold"/>
+                                        <p:tgtEl>
+                                          <p:spTgt spid="1028"/>
+                                        </p:tgtEl>
+                                        <p:attrNameLst>
+                                          <p:attrName>ppt_y</p:attrName>
+                                        </p:attrNameLst>
+                                      </p:cBhvr>
+                                      <p:tavLst>
+                                        <p:tav tm="0">
+                                          <p:val>
+                                            <p:strVal val="1+#ppt_h/2"/>
+                                          </p:val>
+                                        </p:tav>
+                                        <p:tav tm="100000">
+                                          <p:val>
+                                            <p:strVal val="#ppt_y"/>
+                                          </p:val>
+                                        </p:tav>
+                                      </p:tavLst>
+                                    </p:anim>
+                                  </p:childTnLst>
+                                </p:cTn>
+                              </p:par>
+                            </p:childTnLst>
+                          </p:cTn>
+                        </p:par>
+                      </p:childTnLst>
+                    </p:cTn>
+                  </p:par>
+                </p:childTnLst>
+              </p:cTn>
+              <p:prevCondLst>
+                <p:cond evt="onPrev" delay="0">
+                  <p:tgtEl>
+                    <p:sldTgt/>
+                  </p:tgtEl>
+                </p:cond>
+              </p:prevCondLst>
+              <p:nextCondLst>
+                <p:cond evt="onNext" delay="0">
+                  <p:tgtEl>
+                    <p:sldTgt/>
+                  </p:tgtEl>
+                </p:cond>
+              </p:nextCondLst>
+            </p:seq>
+          </p:childTnLst>
+        </p:cTn>
+      </p:par>
+    </p:tnLst>
+    <p:bldLst>
+      <p:bldP spid="6" grpId="0"/>
+    </p:bldLst>
+  </p:timing>
 </p:sld>
 </file>
 
@@ -11484,6 +13498,57 @@
                 <a:schemeClr val="bg1"/>
               </a:solidFill>
               <a:latin typeface="Arial Black" panose="020B0A04020102020204" pitchFamily="34" charset="0"/>
+            </a:endParaRPr>
+          </a:p>
+        </p:txBody>
+      </p:sp>
+      <p:sp>
+        <p:nvSpPr>
+          <p:cNvPr id="4" name="ZoneTexte 3">
+            <a:extLst>
+              <a:ext uri="{FF2B5EF4-FFF2-40B4-BE49-F238E27FC236}">
+                <a16:creationId xmlns:a16="http://schemas.microsoft.com/office/drawing/2014/main" id="{E9866D62-5F25-E3A3-D193-5D1B11CF2448}"/>
+              </a:ext>
+            </a:extLst>
+          </p:cNvPr>
+          <p:cNvSpPr txBox="1"/>
+          <p:nvPr/>
+        </p:nvSpPr>
+        <p:spPr>
+          <a:xfrm>
+            <a:off x="4410075" y="4276725"/>
+            <a:ext cx="2409825" cy="369332"/>
+          </a:xfrm>
+          <a:prstGeom prst="rect">
+            <a:avLst/>
+          </a:prstGeom>
+          <a:noFill/>
+        </p:spPr>
+        <p:txBody>
+          <a:bodyPr wrap="square" rtlCol="0">
+            <a:spAutoFit/>
+          </a:bodyPr>
+          <a:lstStyle/>
+          <a:p>
+            <a:r>
+              <a:rPr lang="fr-FR" dirty="0">
+                <a:solidFill>
+                  <a:srgbClr val="C00000"/>
+                </a:solidFill>
+                <a:hlinkClick r:id="rId2">
+                  <a:extLst>
+                    <a:ext uri="{A12FA001-AC4F-418D-AE19-62706E023703}">
+                      <ahyp:hlinkClr xmlns:ahyp="http://schemas.microsoft.com/office/drawing/2018/hyperlinkcolor" val="tx"/>
+                    </a:ext>
+                  </a:extLst>
+                </a:hlinkClick>
+              </a:rPr>
+              <a:t>Bienvenue sur le site</a:t>
+            </a:r>
+            <a:endParaRPr lang="fr-FR" dirty="0">
+              <a:solidFill>
+                <a:srgbClr val="C00000"/>
+              </a:solidFill>
             </a:endParaRPr>
           </a:p>
         </p:txBody>
@@ -13547,10 +15612,14 @@
           <a:lstStyle/>
           <a:p>
             <a:fld id="{B46DBA9D-A1C0-4232-B92A-100D8A4C42E2}" type="slidenum">
-              <a:rPr lang="fr-FR" smtClean="0"/>
+              <a:rPr lang="fr-FR" sz="2200" smtClean="0">
+                <a:latin typeface="Arial Black" panose="020B0A04020102020204" pitchFamily="34" charset="0"/>
+              </a:rPr>
               <a:t>20</a:t>
             </a:fld>
-            <a:endParaRPr lang="fr-FR"/>
+            <a:endParaRPr lang="fr-FR" sz="2200" dirty="0">
+              <a:latin typeface="Arial Black" panose="020B0A04020102020204" pitchFamily="34" charset="0"/>
+            </a:endParaRPr>
           </a:p>
         </p:txBody>
       </p:sp>

--- a/STAGE ACADEMIQUE D’IMPRENIATION.pptx
+++ b/STAGE ACADEMIQUE D’IMPRENIATION.pptx
@@ -17,9 +17,9 @@
     <p:sldId id="261" r:id="rId8"/>
     <p:sldId id="275" r:id="rId9"/>
     <p:sldId id="263" r:id="rId10"/>
-    <p:sldId id="273" r:id="rId11"/>
-    <p:sldId id="264" r:id="rId12"/>
-    <p:sldId id="265" r:id="rId13"/>
+    <p:sldId id="264" r:id="rId11"/>
+    <p:sldId id="265" r:id="rId12"/>
+    <p:sldId id="273" r:id="rId13"/>
     <p:sldId id="266" r:id="rId14"/>
     <p:sldId id="267" r:id="rId15"/>
     <p:sldId id="269" r:id="rId16"/>
@@ -4410,7 +4410,7 @@
           <a:p>
             <a:fld id="{A87C793E-67B6-4B38-A57C-C4AD9E0B8367}" type="datetimeFigureOut">
               <a:rPr lang="fr-FR" smtClean="0"/>
-              <a:t>22/06/2023</a:t>
+              <a:t>28/06/2023</a:t>
             </a:fld>
             <a:endParaRPr lang="fr-FR"/>
           </a:p>
@@ -5731,7 +5731,7 @@
           <a:p>
             <a:fld id="{2BE8A7E4-EE6E-4787-96F2-19A8FD340272}" type="datetime1">
               <a:rPr lang="fr-FR" smtClean="0"/>
-              <a:t>22/06/2023</a:t>
+              <a:t>28/06/2023</a:t>
             </a:fld>
             <a:endParaRPr lang="fr-FR"/>
           </a:p>
@@ -5910,7 +5910,7 @@
           <a:p>
             <a:fld id="{49B886EF-B471-4E83-9EF3-7B83FE5A07C1}" type="datetime1">
               <a:rPr lang="fr-FR" smtClean="0"/>
-              <a:t>22/06/2023</a:t>
+              <a:t>28/06/2023</a:t>
             </a:fld>
             <a:endParaRPr lang="fr-FR"/>
           </a:p>
@@ -6091,7 +6091,7 @@
           <a:p>
             <a:fld id="{49B886EF-B471-4E83-9EF3-7B83FE5A07C1}" type="datetime1">
               <a:rPr lang="fr-FR" smtClean="0"/>
-              <a:t>22/06/2023</a:t>
+              <a:t>28/06/2023</a:t>
             </a:fld>
             <a:endParaRPr lang="fr-FR"/>
           </a:p>
@@ -6262,7 +6262,7 @@
           <a:p>
             <a:fld id="{49B886EF-B471-4E83-9EF3-7B83FE5A07C1}" type="datetime1">
               <a:rPr lang="fr-FR" smtClean="0"/>
-              <a:t>22/06/2023</a:t>
+              <a:t>28/06/2023</a:t>
             </a:fld>
             <a:endParaRPr lang="fr-FR"/>
           </a:p>
@@ -6576,7 +6576,7 @@
           <a:p>
             <a:fld id="{5AFEE3C0-7AE1-40A9-87EA-F6290C772CA0}" type="datetime1">
               <a:rPr lang="fr-FR" smtClean="0"/>
-              <a:t>22/06/2023</a:t>
+              <a:t>28/06/2023</a:t>
             </a:fld>
             <a:endParaRPr lang="fr-FR"/>
           </a:p>
@@ -6962,7 +6962,7 @@
           <a:p>
             <a:fld id="{49B886EF-B471-4E83-9EF3-7B83FE5A07C1}" type="datetime1">
               <a:rPr lang="fr-FR" smtClean="0"/>
-              <a:t>22/06/2023</a:t>
+              <a:t>28/06/2023</a:t>
             </a:fld>
             <a:endParaRPr lang="fr-FR"/>
           </a:p>
@@ -7397,7 +7397,7 @@
           <a:p>
             <a:fld id="{49B886EF-B471-4E83-9EF3-7B83FE5A07C1}" type="datetime1">
               <a:rPr lang="fr-FR" smtClean="0"/>
-              <a:t>22/06/2023</a:t>
+              <a:t>28/06/2023</a:t>
             </a:fld>
             <a:endParaRPr lang="fr-FR"/>
           </a:p>
@@ -7516,7 +7516,7 @@
           <a:p>
             <a:fld id="{ED1454CC-0471-4241-8E14-073377289AD1}" type="datetime1">
               <a:rPr lang="fr-FR" smtClean="0"/>
-              <a:t>22/06/2023</a:t>
+              <a:t>28/06/2023</a:t>
             </a:fld>
             <a:endParaRPr lang="fr-FR"/>
           </a:p>
@@ -7611,7 +7611,7 @@
           <a:p>
             <a:fld id="{C73405A3-ADF6-43DB-89CE-7088EAB8F355}" type="datetime1">
               <a:rPr lang="fr-FR" smtClean="0"/>
-              <a:t>22/06/2023</a:t>
+              <a:t>28/06/2023</a:t>
             </a:fld>
             <a:endParaRPr lang="fr-FR"/>
           </a:p>
@@ -7961,7 +7961,7 @@
           <a:p>
             <a:fld id="{49B886EF-B471-4E83-9EF3-7B83FE5A07C1}" type="datetime1">
               <a:rPr lang="fr-FR" smtClean="0"/>
-              <a:t>22/06/2023</a:t>
+              <a:t>28/06/2023</a:t>
             </a:fld>
             <a:endParaRPr lang="fr-FR"/>
           </a:p>
@@ -8387,7 +8387,7 @@
           <a:p>
             <a:fld id="{C9E6D741-8FA8-459A-A404-65BF16C7D3BB}" type="datetime1">
               <a:rPr lang="fr-FR" smtClean="0"/>
-              <a:t>22/06/2023</a:t>
+              <a:t>28/06/2023</a:t>
             </a:fld>
             <a:endParaRPr lang="fr-FR"/>
           </a:p>
@@ -8668,7 +8668,7 @@
           <a:p>
             <a:fld id="{49B886EF-B471-4E83-9EF3-7B83FE5A07C1}" type="datetime1">
               <a:rPr lang="fr-FR" smtClean="0"/>
-              <a:t>22/06/2023</a:t>
+              <a:t>28/06/2023</a:t>
             </a:fld>
             <a:endParaRPr lang="fr-FR"/>
           </a:p>
@@ -9726,139 +9726,6 @@
           <p:cNvPr id="2" name="Titre 1">
             <a:extLst>
               <a:ext uri="{FF2B5EF4-FFF2-40B4-BE49-F238E27FC236}">
-                <a16:creationId xmlns:a16="http://schemas.microsoft.com/office/drawing/2014/main" id="{C965DC01-E307-F606-C3C3-093FAA28919E}"/>
-              </a:ext>
-            </a:extLst>
-          </p:cNvPr>
-          <p:cNvSpPr>
-            <a:spLocks noGrp="1"/>
-          </p:cNvSpPr>
-          <p:nvPr>
-            <p:ph type="title"/>
-          </p:nvPr>
-        </p:nvSpPr>
-        <p:spPr>
-          <a:xfrm>
-            <a:off x="1860998" y="2216130"/>
-            <a:ext cx="6967419" cy="1478570"/>
-          </a:xfrm>
-        </p:spPr>
-        <p:txBody>
-          <a:bodyPr/>
-          <a:lstStyle/>
-          <a:p>
-            <a:r>
-              <a:rPr lang="en-US" b="1" dirty="0">
-                <a:solidFill>
-                  <a:schemeClr val="tx1"/>
-                </a:solidFill>
-                <a:latin typeface="Arial Black" panose="020B0A04020102020204" pitchFamily="34" charset="0"/>
-              </a:rPr>
-              <a:t>TRAVAIL </a:t>
-            </a:r>
-            <a:r>
-              <a:rPr lang="fr-FR" b="1" dirty="0">
-                <a:solidFill>
-                  <a:schemeClr val="tx1"/>
-                </a:solidFill>
-                <a:latin typeface="Arial Black" panose="020B0A04020102020204" pitchFamily="34" charset="0"/>
-              </a:rPr>
-              <a:t>REALISE</a:t>
-            </a:r>
-          </a:p>
-        </p:txBody>
-      </p:sp>
-      <p:sp>
-        <p:nvSpPr>
-          <p:cNvPr id="5" name="Espace réservé du numéro de diapositive 4">
-            <a:extLst>
-              <a:ext uri="{FF2B5EF4-FFF2-40B4-BE49-F238E27FC236}">
-                <a16:creationId xmlns:a16="http://schemas.microsoft.com/office/drawing/2014/main" id="{6EC86744-5B6D-9A26-026D-A1B9E3910971}"/>
-              </a:ext>
-            </a:extLst>
-          </p:cNvPr>
-          <p:cNvSpPr>
-            <a:spLocks noGrp="1"/>
-          </p:cNvSpPr>
-          <p:nvPr>
-            <p:ph type="sldNum" sz="quarter" idx="12"/>
-          </p:nvPr>
-        </p:nvSpPr>
-        <p:spPr>
-          <a:xfrm>
-            <a:off x="11172830" y="6217339"/>
-            <a:ext cx="907186" cy="498470"/>
-          </a:xfrm>
-        </p:spPr>
-        <p:txBody>
-          <a:bodyPr/>
-          <a:lstStyle/>
-          <a:p>
-            <a:fld id="{B46DBA9D-A1C0-4232-B92A-100D8A4C42E2}" type="slidenum">
-              <a:rPr lang="fr-FR" sz="2200" smtClean="0">
-                <a:solidFill>
-                  <a:schemeClr val="bg1"/>
-                </a:solidFill>
-                <a:latin typeface="Arial Black" panose="020B0A04020102020204" pitchFamily="34" charset="0"/>
-              </a:rPr>
-              <a:t>10</a:t>
-            </a:fld>
-            <a:endParaRPr lang="fr-FR" sz="2200" dirty="0">
-              <a:solidFill>
-                <a:schemeClr val="bg1"/>
-              </a:solidFill>
-              <a:latin typeface="Arial Black" panose="020B0A04020102020204" pitchFamily="34" charset="0"/>
-            </a:endParaRPr>
-          </a:p>
-        </p:txBody>
-      </p:sp>
-    </p:spTree>
-    <p:extLst>
-      <p:ext uri="{BB962C8B-B14F-4D97-AF65-F5344CB8AC3E}">
-        <p14:creationId xmlns:p14="http://schemas.microsoft.com/office/powerpoint/2010/main" val="688963044"/>
-      </p:ext>
-    </p:extLst>
-  </p:cSld>
-  <p:clrMapOvr>
-    <a:masterClrMapping/>
-  </p:clrMapOvr>
-  <mc:AlternateContent xmlns:mc="http://schemas.openxmlformats.org/markup-compatibility/2006" xmlns:p14="http://schemas.microsoft.com/office/powerpoint/2010/main">
-    <mc:Choice Requires="p14">
-      <p:transition spd="slow" p14:dur="3400">
-        <p14:reveal/>
-      </p:transition>
-    </mc:Choice>
-    <mc:Fallback xmlns="">
-      <p:transition spd="slow">
-        <p:fade/>
-      </p:transition>
-    </mc:Fallback>
-  </mc:AlternateContent>
-</p:sld>
-</file>
-
-<file path=ppt/slides/slide11.xml><?xml version="1.0" encoding="utf-8"?>
-<p:sld xmlns:a="http://schemas.openxmlformats.org/drawingml/2006/main" xmlns:r="http://schemas.openxmlformats.org/officeDocument/2006/relationships" xmlns:p="http://schemas.openxmlformats.org/presentationml/2006/main">
-  <p:cSld>
-    <p:spTree>
-      <p:nvGrpSpPr>
-        <p:cNvPr id="1" name=""/>
-        <p:cNvGrpSpPr/>
-        <p:nvPr/>
-      </p:nvGrpSpPr>
-      <p:grpSpPr>
-        <a:xfrm>
-          <a:off x="0" y="0"/>
-          <a:ext cx="0" cy="0"/>
-          <a:chOff x="0" y="0"/>
-          <a:chExt cx="0" cy="0"/>
-        </a:xfrm>
-      </p:grpSpPr>
-      <p:sp>
-        <p:nvSpPr>
-          <p:cNvPr id="2" name="Titre 1">
-            <a:extLst>
-              <a:ext uri="{FF2B5EF4-FFF2-40B4-BE49-F238E27FC236}">
                 <a16:creationId xmlns:a16="http://schemas.microsoft.com/office/drawing/2014/main" id="{51A30F8A-3542-2CBD-79AC-1EEAAA531270}"/>
               </a:ext>
             </a:extLst>
@@ -9933,7 +9800,7 @@
                 </a:solidFill>
                 <a:latin typeface="Arial Black" panose="020B0A04020102020204" pitchFamily="34" charset="0"/>
               </a:rPr>
-              <a:t>11</a:t>
+              <a:t>10</a:t>
             </a:fld>
             <a:endParaRPr lang="fr-FR" sz="2200" dirty="0">
               <a:solidFill>
@@ -9996,7 +9863,7 @@
 </p:sld>
 </file>
 
-<file path=ppt/slides/slide12.xml><?xml version="1.0" encoding="utf-8"?>
+<file path=ppt/slides/slide11.xml><?xml version="1.0" encoding="utf-8"?>
 <p:sld xmlns:a="http://schemas.openxmlformats.org/drawingml/2006/main" xmlns:r="http://schemas.openxmlformats.org/officeDocument/2006/relationships" xmlns:p="http://schemas.openxmlformats.org/presentationml/2006/main">
   <p:cSld>
     <p:spTree>
@@ -10092,7 +9959,7 @@
                 </a:solidFill>
                 <a:latin typeface="Arial Black" panose="020B0A04020102020204" pitchFamily="34" charset="0"/>
               </a:rPr>
-              <a:t>12</a:t>
+              <a:t>11</a:t>
             </a:fld>
             <a:endParaRPr lang="fr-FR" sz="2200" dirty="0">
               <a:solidFill>
@@ -10158,6 +10025,139 @@
     <mc:Fallback xmlns="">
       <p:transition spd="slow">
         <p:split orient="vert"/>
+      </p:transition>
+    </mc:Fallback>
+  </mc:AlternateContent>
+</p:sld>
+</file>
+
+<file path=ppt/slides/slide12.xml><?xml version="1.0" encoding="utf-8"?>
+<p:sld xmlns:a="http://schemas.openxmlformats.org/drawingml/2006/main" xmlns:r="http://schemas.openxmlformats.org/officeDocument/2006/relationships" xmlns:p="http://schemas.openxmlformats.org/presentationml/2006/main">
+  <p:cSld>
+    <p:spTree>
+      <p:nvGrpSpPr>
+        <p:cNvPr id="1" name=""/>
+        <p:cNvGrpSpPr/>
+        <p:nvPr/>
+      </p:nvGrpSpPr>
+      <p:grpSpPr>
+        <a:xfrm>
+          <a:off x="0" y="0"/>
+          <a:ext cx="0" cy="0"/>
+          <a:chOff x="0" y="0"/>
+          <a:chExt cx="0" cy="0"/>
+        </a:xfrm>
+      </p:grpSpPr>
+      <p:sp>
+        <p:nvSpPr>
+          <p:cNvPr id="2" name="Titre 1">
+            <a:extLst>
+              <a:ext uri="{FF2B5EF4-FFF2-40B4-BE49-F238E27FC236}">
+                <a16:creationId xmlns:a16="http://schemas.microsoft.com/office/drawing/2014/main" id="{C965DC01-E307-F606-C3C3-093FAA28919E}"/>
+              </a:ext>
+            </a:extLst>
+          </p:cNvPr>
+          <p:cNvSpPr>
+            <a:spLocks noGrp="1"/>
+          </p:cNvSpPr>
+          <p:nvPr>
+            <p:ph type="title"/>
+          </p:nvPr>
+        </p:nvSpPr>
+        <p:spPr>
+          <a:xfrm>
+            <a:off x="1860998" y="2216130"/>
+            <a:ext cx="6967419" cy="1478570"/>
+          </a:xfrm>
+        </p:spPr>
+        <p:txBody>
+          <a:bodyPr/>
+          <a:lstStyle/>
+          <a:p>
+            <a:r>
+              <a:rPr lang="en-US" b="1" dirty="0">
+                <a:solidFill>
+                  <a:schemeClr val="tx1"/>
+                </a:solidFill>
+                <a:latin typeface="Arial Black" panose="020B0A04020102020204" pitchFamily="34" charset="0"/>
+              </a:rPr>
+              <a:t>TRAVAIL </a:t>
+            </a:r>
+            <a:r>
+              <a:rPr lang="fr-FR" b="1" dirty="0">
+                <a:solidFill>
+                  <a:schemeClr val="tx1"/>
+                </a:solidFill>
+                <a:latin typeface="Arial Black" panose="020B0A04020102020204" pitchFamily="34" charset="0"/>
+              </a:rPr>
+              <a:t>REALISE</a:t>
+            </a:r>
+          </a:p>
+        </p:txBody>
+      </p:sp>
+      <p:sp>
+        <p:nvSpPr>
+          <p:cNvPr id="5" name="Espace réservé du numéro de diapositive 4">
+            <a:extLst>
+              <a:ext uri="{FF2B5EF4-FFF2-40B4-BE49-F238E27FC236}">
+                <a16:creationId xmlns:a16="http://schemas.microsoft.com/office/drawing/2014/main" id="{6EC86744-5B6D-9A26-026D-A1B9E3910971}"/>
+              </a:ext>
+            </a:extLst>
+          </p:cNvPr>
+          <p:cNvSpPr>
+            <a:spLocks noGrp="1"/>
+          </p:cNvSpPr>
+          <p:nvPr>
+            <p:ph type="sldNum" sz="quarter" idx="12"/>
+          </p:nvPr>
+        </p:nvSpPr>
+        <p:spPr>
+          <a:xfrm>
+            <a:off x="11172830" y="6217339"/>
+            <a:ext cx="907186" cy="498470"/>
+          </a:xfrm>
+        </p:spPr>
+        <p:txBody>
+          <a:bodyPr/>
+          <a:lstStyle/>
+          <a:p>
+            <a:fld id="{B46DBA9D-A1C0-4232-B92A-100D8A4C42E2}" type="slidenum">
+              <a:rPr lang="fr-FR" sz="2200" smtClean="0">
+                <a:solidFill>
+                  <a:schemeClr val="bg1"/>
+                </a:solidFill>
+                <a:latin typeface="Arial Black" panose="020B0A04020102020204" pitchFamily="34" charset="0"/>
+              </a:rPr>
+              <a:t>12</a:t>
+            </a:fld>
+            <a:endParaRPr lang="fr-FR" sz="2200" dirty="0">
+              <a:solidFill>
+                <a:schemeClr val="bg1"/>
+              </a:solidFill>
+              <a:latin typeface="Arial Black" panose="020B0A04020102020204" pitchFamily="34" charset="0"/>
+            </a:endParaRPr>
+          </a:p>
+        </p:txBody>
+      </p:sp>
+    </p:spTree>
+    <p:extLst>
+      <p:ext uri="{BB962C8B-B14F-4D97-AF65-F5344CB8AC3E}">
+        <p14:creationId xmlns:p14="http://schemas.microsoft.com/office/powerpoint/2010/main" val="688963044"/>
+      </p:ext>
+    </p:extLst>
+  </p:cSld>
+  <p:clrMapOvr>
+    <a:masterClrMapping/>
+  </p:clrMapOvr>
+  <mc:AlternateContent xmlns:mc="http://schemas.openxmlformats.org/markup-compatibility/2006" xmlns:p14="http://schemas.microsoft.com/office/powerpoint/2010/main">
+    <mc:Choice Requires="p14">
+      <p:transition spd="slow" p14:dur="3400">
+        <p14:reveal/>
+      </p:transition>
+    </mc:Choice>
+    <mc:Fallback xmlns="">
+      <p:transition spd="slow">
+        <p:fade/>
       </p:transition>
     </mc:Fallback>
   </mc:AlternateContent>
